--- a/総合演習資料/2.外部設計/ER図_DB.pptx
+++ b/総合演習資料/2.外部設計/ER図_DB.pptx
@@ -243,7 +243,7 @@
           <a:p>
             <a:fld id="{931ADCC0-89D4-47E2-A51B-3DB9029B3371}" type="datetimeFigureOut">
               <a:rPr kumimoji="1" lang="ja-JP" altLang="en-US" smtClean="0"/>
-              <a:t>2017/10/18</a:t>
+              <a:t>2017/10/25</a:t>
             </a:fld>
             <a:endParaRPr kumimoji="1" lang="ja-JP" altLang="en-US"/>
           </a:p>
@@ -445,7 +445,7 @@
           <a:p>
             <a:fld id="{931ADCC0-89D4-47E2-A51B-3DB9029B3371}" type="datetimeFigureOut">
               <a:rPr kumimoji="1" lang="ja-JP" altLang="en-US" smtClean="0"/>
-              <a:t>2017/10/18</a:t>
+              <a:t>2017/10/25</a:t>
             </a:fld>
             <a:endParaRPr kumimoji="1" lang="ja-JP" altLang="en-US"/>
           </a:p>
@@ -657,7 +657,7 @@
           <a:p>
             <a:fld id="{931ADCC0-89D4-47E2-A51B-3DB9029B3371}" type="datetimeFigureOut">
               <a:rPr kumimoji="1" lang="ja-JP" altLang="en-US" smtClean="0"/>
-              <a:t>2017/10/18</a:t>
+              <a:t>2017/10/25</a:t>
             </a:fld>
             <a:endParaRPr kumimoji="1" lang="ja-JP" altLang="en-US"/>
           </a:p>
@@ -859,7 +859,7 @@
           <a:p>
             <a:fld id="{931ADCC0-89D4-47E2-A51B-3DB9029B3371}" type="datetimeFigureOut">
               <a:rPr kumimoji="1" lang="ja-JP" altLang="en-US" smtClean="0"/>
-              <a:t>2017/10/18</a:t>
+              <a:t>2017/10/25</a:t>
             </a:fld>
             <a:endParaRPr kumimoji="1" lang="ja-JP" altLang="en-US"/>
           </a:p>
@@ -1105,7 +1105,7 @@
           <a:p>
             <a:fld id="{931ADCC0-89D4-47E2-A51B-3DB9029B3371}" type="datetimeFigureOut">
               <a:rPr kumimoji="1" lang="ja-JP" altLang="en-US" smtClean="0"/>
-              <a:t>2017/10/18</a:t>
+              <a:t>2017/10/25</a:t>
             </a:fld>
             <a:endParaRPr kumimoji="1" lang="ja-JP" altLang="en-US"/>
           </a:p>
@@ -1401,7 +1401,7 @@
           <a:p>
             <a:fld id="{931ADCC0-89D4-47E2-A51B-3DB9029B3371}" type="datetimeFigureOut">
               <a:rPr kumimoji="1" lang="ja-JP" altLang="en-US" smtClean="0"/>
-              <a:t>2017/10/18</a:t>
+              <a:t>2017/10/25</a:t>
             </a:fld>
             <a:endParaRPr kumimoji="1" lang="ja-JP" altLang="en-US"/>
           </a:p>
@@ -1832,7 +1832,7 @@
           <a:p>
             <a:fld id="{931ADCC0-89D4-47E2-A51B-3DB9029B3371}" type="datetimeFigureOut">
               <a:rPr kumimoji="1" lang="ja-JP" altLang="en-US" smtClean="0"/>
-              <a:t>2017/10/18</a:t>
+              <a:t>2017/10/25</a:t>
             </a:fld>
             <a:endParaRPr kumimoji="1" lang="ja-JP" altLang="en-US"/>
           </a:p>
@@ -1950,7 +1950,7 @@
           <a:p>
             <a:fld id="{931ADCC0-89D4-47E2-A51B-3DB9029B3371}" type="datetimeFigureOut">
               <a:rPr kumimoji="1" lang="ja-JP" altLang="en-US" smtClean="0"/>
-              <a:t>2017/10/18</a:t>
+              <a:t>2017/10/25</a:t>
             </a:fld>
             <a:endParaRPr kumimoji="1" lang="ja-JP" altLang="en-US"/>
           </a:p>
@@ -2045,7 +2045,7 @@
           <a:p>
             <a:fld id="{931ADCC0-89D4-47E2-A51B-3DB9029B3371}" type="datetimeFigureOut">
               <a:rPr kumimoji="1" lang="ja-JP" altLang="en-US" smtClean="0"/>
-              <a:t>2017/10/18</a:t>
+              <a:t>2017/10/25</a:t>
             </a:fld>
             <a:endParaRPr kumimoji="1" lang="ja-JP" altLang="en-US"/>
           </a:p>
@@ -2354,7 +2354,7 @@
           <a:p>
             <a:fld id="{931ADCC0-89D4-47E2-A51B-3DB9029B3371}" type="datetimeFigureOut">
               <a:rPr kumimoji="1" lang="ja-JP" altLang="en-US" smtClean="0"/>
-              <a:t>2017/10/18</a:t>
+              <a:t>2017/10/25</a:t>
             </a:fld>
             <a:endParaRPr kumimoji="1" lang="ja-JP" altLang="en-US"/>
           </a:p>
@@ -2607,7 +2607,7 @@
           <a:p>
             <a:fld id="{931ADCC0-89D4-47E2-A51B-3DB9029B3371}" type="datetimeFigureOut">
               <a:rPr kumimoji="1" lang="ja-JP" altLang="en-US" smtClean="0"/>
-              <a:t>2017/10/18</a:t>
+              <a:t>2017/10/25</a:t>
             </a:fld>
             <a:endParaRPr kumimoji="1" lang="ja-JP" altLang="en-US"/>
           </a:p>
@@ -2852,7 +2852,7 @@
           <a:p>
             <a:fld id="{931ADCC0-89D4-47E2-A51B-3DB9029B3371}" type="datetimeFigureOut">
               <a:rPr kumimoji="1" lang="ja-JP" altLang="en-US" smtClean="0"/>
-              <a:t>2017/10/18</a:t>
+              <a:t>2017/10/25</a:t>
             </a:fld>
             <a:endParaRPr kumimoji="1" lang="ja-JP" altLang="en-US"/>
           </a:p>
@@ -3306,7 +3306,7 @@
                 <a:ea typeface="メイリオ" panose="020B0604030504040204" pitchFamily="50" charset="-128"/>
                 <a:cs typeface="メイリオ" panose="020B0604030504040204" pitchFamily="50" charset="-128"/>
               </a:rPr>
-              <a:t>データベース掲示板</a:t>
+              <a:t>社員情報管理システム</a:t>
             </a:r>
             <a:endParaRPr kumimoji="1" lang="ja-JP" altLang="en-US" sz="2000" dirty="0">
               <a:solidFill>
@@ -4008,18 +4008,79 @@
       </p:sp>
       <p:grpSp>
         <p:nvGrpSpPr>
-          <p:cNvPr id="10" name="グループ化 9"/>
+          <p:cNvPr id="19" name="グループ化 18"/>
           <p:cNvGrpSpPr/>
           <p:nvPr/>
         </p:nvGrpSpPr>
         <p:grpSpPr>
           <a:xfrm>
-            <a:off x="1728318" y="2332442"/>
-            <a:ext cx="3024021" cy="2204586"/>
-            <a:chOff x="725566" y="1311214"/>
-            <a:chExt cx="2502376" cy="1689877"/>
+            <a:off x="981160" y="1001152"/>
+            <a:ext cx="3024022" cy="5214736"/>
+            <a:chOff x="991415" y="905424"/>
+            <a:chExt cx="3024022" cy="5214736"/>
           </a:xfrm>
         </p:grpSpPr>
+        <p:sp>
+          <p:nvSpPr>
+            <p:cNvPr id="54" name="正方形/長方形 53"/>
+            <p:cNvSpPr/>
+            <p:nvPr/>
+          </p:nvSpPr>
+          <p:spPr>
+            <a:xfrm>
+              <a:off x="991415" y="905424"/>
+              <a:ext cx="2657377" cy="432493"/>
+            </a:xfrm>
+            <a:prstGeom prst="rect">
+              <a:avLst/>
+            </a:prstGeom>
+            <a:noFill/>
+            <a:ln>
+              <a:noFill/>
+            </a:ln>
+          </p:spPr>
+          <p:style>
+            <a:lnRef idx="2">
+              <a:schemeClr val="accent1">
+                <a:shade val="50000"/>
+              </a:schemeClr>
+            </a:lnRef>
+            <a:fillRef idx="1">
+              <a:schemeClr val="accent1"/>
+            </a:fillRef>
+            <a:effectRef idx="0">
+              <a:schemeClr val="accent1"/>
+            </a:effectRef>
+            <a:fontRef idx="minor">
+              <a:schemeClr val="lt1"/>
+            </a:fontRef>
+          </p:style>
+          <p:txBody>
+            <a:bodyPr rtlCol="0" anchor="t"/>
+            <a:lstStyle/>
+            <a:p>
+              <a:r>
+                <a:rPr kumimoji="1" lang="ja-JP" altLang="en-US" sz="1600" dirty="0" smtClean="0">
+                  <a:solidFill>
+                    <a:schemeClr val="tx1"/>
+                  </a:solidFill>
+                  <a:latin typeface="メイリオ" panose="020B0604030504040204" pitchFamily="50" charset="-128"/>
+                  <a:ea typeface="メイリオ" panose="020B0604030504040204" pitchFamily="50" charset="-128"/>
+                  <a:cs typeface="メイリオ" panose="020B0604030504040204" pitchFamily="50" charset="-128"/>
+                </a:rPr>
+                <a:t>社員情報テーブル</a:t>
+              </a:r>
+              <a:endParaRPr kumimoji="1" lang="ja-JP" altLang="en-US" sz="1600" dirty="0">
+                <a:solidFill>
+                  <a:schemeClr val="tx1"/>
+                </a:solidFill>
+                <a:latin typeface="メイリオ" panose="020B0604030504040204" pitchFamily="50" charset="-128"/>
+                <a:ea typeface="メイリオ" panose="020B0604030504040204" pitchFamily="50" charset="-128"/>
+                <a:cs typeface="メイリオ" panose="020B0604030504040204" pitchFamily="50" charset="-128"/>
+              </a:endParaRPr>
+            </a:p>
+          </p:txBody>
+        </p:sp>
         <p:sp>
           <p:nvSpPr>
             <p:cNvPr id="2" name="正方形/長方形 1"/>
@@ -4028,8 +4089,8 @@
           </p:nvSpPr>
           <p:spPr>
             <a:xfrm>
-              <a:off x="725566" y="1311214"/>
-              <a:ext cx="2502376" cy="1689877"/>
+              <a:off x="991416" y="1259651"/>
+              <a:ext cx="3024021" cy="4860509"/>
             </a:xfrm>
             <a:prstGeom prst="rect">
               <a:avLst/>
@@ -4083,8 +4144,8 @@
           </p:nvCxnSpPr>
           <p:spPr>
             <a:xfrm>
-              <a:off x="725566" y="1724981"/>
-              <a:ext cx="2502376" cy="0"/>
+              <a:off x="991416" y="1799431"/>
+              <a:ext cx="3024021" cy="0"/>
             </a:xfrm>
             <a:prstGeom prst="straightConnector1">
               <a:avLst/>
@@ -4113,281 +4174,423 @@
             </a:fontRef>
           </p:style>
         </p:cxnSp>
-      </p:grpSp>
-      <p:sp>
-        <p:nvSpPr>
-          <p:cNvPr id="53" name="正方形/長方形 52"/>
-          <p:cNvSpPr/>
-          <p:nvPr/>
-        </p:nvSpPr>
-        <p:spPr>
-          <a:xfrm>
-            <a:off x="1801404" y="2414690"/>
-            <a:ext cx="2657377" cy="432493"/>
-          </a:xfrm>
-          <a:prstGeom prst="rect">
-            <a:avLst/>
-          </a:prstGeom>
-          <a:noFill/>
-          <a:ln>
+        <p:sp>
+          <p:nvSpPr>
+            <p:cNvPr id="53" name="正方形/長方形 52"/>
+            <p:cNvSpPr/>
+            <p:nvPr/>
+          </p:nvSpPr>
+          <p:spPr>
+            <a:xfrm>
+              <a:off x="1064502" y="1341885"/>
+              <a:ext cx="2657377" cy="432493"/>
+            </a:xfrm>
+            <a:prstGeom prst="rect">
+              <a:avLst/>
+            </a:prstGeom>
             <a:noFill/>
-          </a:ln>
-        </p:spPr>
-        <p:style>
-          <a:lnRef idx="2">
-            <a:schemeClr val="accent1">
-              <a:shade val="50000"/>
-            </a:schemeClr>
-          </a:lnRef>
-          <a:fillRef idx="1">
-            <a:schemeClr val="accent1"/>
-          </a:fillRef>
-          <a:effectRef idx="0">
-            <a:schemeClr val="accent1"/>
-          </a:effectRef>
-          <a:fontRef idx="minor">
-            <a:schemeClr val="lt1"/>
-          </a:fontRef>
-        </p:style>
-        <p:txBody>
-          <a:bodyPr rtlCol="0" anchor="t"/>
-          <a:lstStyle/>
-          <a:p>
-            <a:r>
-              <a:rPr kumimoji="1" lang="en-US" altLang="ja-JP" sz="1400" dirty="0" smtClean="0">
+            <a:ln>
+              <a:noFill/>
+            </a:ln>
+          </p:spPr>
+          <p:style>
+            <a:lnRef idx="2">
+              <a:schemeClr val="accent1">
+                <a:shade val="50000"/>
+              </a:schemeClr>
+            </a:lnRef>
+            <a:fillRef idx="1">
+              <a:schemeClr val="accent1"/>
+            </a:fillRef>
+            <a:effectRef idx="0">
+              <a:schemeClr val="accent1"/>
+            </a:effectRef>
+            <a:fontRef idx="minor">
+              <a:schemeClr val="lt1"/>
+            </a:fontRef>
+          </p:style>
+          <p:txBody>
+            <a:bodyPr rtlCol="0" anchor="t"/>
+            <a:lstStyle/>
+            <a:p>
+              <a:r>
+                <a:rPr kumimoji="1" lang="en-US" altLang="ja-JP" sz="1400" dirty="0" smtClean="0">
+                  <a:solidFill>
+                    <a:schemeClr val="tx1"/>
+                  </a:solidFill>
+                  <a:latin typeface="メイリオ" panose="020B0604030504040204" pitchFamily="50" charset="-128"/>
+                  <a:ea typeface="メイリオ" panose="020B0604030504040204" pitchFamily="50" charset="-128"/>
+                  <a:cs typeface="メイリオ" panose="020B0604030504040204" pitchFamily="50" charset="-128"/>
+                </a:rPr>
+                <a:t>ID</a:t>
+              </a:r>
+              <a:endParaRPr kumimoji="1" lang="ja-JP" altLang="en-US" sz="1400" dirty="0">
                 <a:solidFill>
                   <a:schemeClr val="tx1"/>
                 </a:solidFill>
                 <a:latin typeface="メイリオ" panose="020B0604030504040204" pitchFamily="50" charset="-128"/>
                 <a:ea typeface="メイリオ" panose="020B0604030504040204" pitchFamily="50" charset="-128"/>
                 <a:cs typeface="メイリオ" panose="020B0604030504040204" pitchFamily="50" charset="-128"/>
-              </a:rPr>
-              <a:t>ID</a:t>
-            </a:r>
-            <a:endParaRPr kumimoji="1" lang="ja-JP" altLang="en-US" sz="1400" dirty="0">
-              <a:solidFill>
-                <a:schemeClr val="tx1"/>
-              </a:solidFill>
-              <a:latin typeface="メイリオ" panose="020B0604030504040204" pitchFamily="50" charset="-128"/>
-              <a:ea typeface="メイリオ" panose="020B0604030504040204" pitchFamily="50" charset="-128"/>
-              <a:cs typeface="メイリオ" panose="020B0604030504040204" pitchFamily="50" charset="-128"/>
-            </a:endParaRPr>
-          </a:p>
-        </p:txBody>
-      </p:sp>
-      <p:sp>
-        <p:nvSpPr>
-          <p:cNvPr id="54" name="正方形/長方形 53"/>
-          <p:cNvSpPr/>
-          <p:nvPr/>
-        </p:nvSpPr>
-        <p:spPr>
-          <a:xfrm>
-            <a:off x="1728317" y="1978229"/>
-            <a:ext cx="2657377" cy="432493"/>
-          </a:xfrm>
-          <a:prstGeom prst="rect">
-            <a:avLst/>
-          </a:prstGeom>
-          <a:noFill/>
-          <a:ln>
+              </a:endParaRPr>
+            </a:p>
+          </p:txBody>
+        </p:sp>
+        <p:sp>
+          <p:nvSpPr>
+            <p:cNvPr id="58" name="正方形/長方形 57"/>
+            <p:cNvSpPr/>
+            <p:nvPr/>
+          </p:nvSpPr>
+          <p:spPr>
+            <a:xfrm>
+              <a:off x="1063412" y="1846833"/>
+              <a:ext cx="2657377" cy="2980396"/>
+            </a:xfrm>
+            <a:prstGeom prst="rect">
+              <a:avLst/>
+            </a:prstGeom>
             <a:noFill/>
-          </a:ln>
-        </p:spPr>
-        <p:style>
-          <a:lnRef idx="2">
-            <a:schemeClr val="accent1">
-              <a:shade val="50000"/>
-            </a:schemeClr>
-          </a:lnRef>
-          <a:fillRef idx="1">
-            <a:schemeClr val="accent1"/>
-          </a:fillRef>
-          <a:effectRef idx="0">
-            <a:schemeClr val="accent1"/>
-          </a:effectRef>
-          <a:fontRef idx="minor">
-            <a:schemeClr val="lt1"/>
-          </a:fontRef>
-        </p:style>
-        <p:txBody>
-          <a:bodyPr rtlCol="0" anchor="t"/>
-          <a:lstStyle/>
-          <a:p>
-            <a:r>
-              <a:rPr kumimoji="1" lang="ja-JP" altLang="en-US" sz="1600" dirty="0" smtClean="0">
+            <a:ln>
+              <a:noFill/>
+            </a:ln>
+          </p:spPr>
+          <p:style>
+            <a:lnRef idx="2">
+              <a:schemeClr val="accent1">
+                <a:shade val="50000"/>
+              </a:schemeClr>
+            </a:lnRef>
+            <a:fillRef idx="1">
+              <a:schemeClr val="accent1"/>
+            </a:fillRef>
+            <a:effectRef idx="0">
+              <a:schemeClr val="accent1"/>
+            </a:effectRef>
+            <a:fontRef idx="minor">
+              <a:schemeClr val="lt1"/>
+            </a:fontRef>
+          </p:style>
+          <p:txBody>
+            <a:bodyPr rtlCol="0" anchor="t"/>
+            <a:lstStyle/>
+            <a:p>
+              <a:r>
+                <a:rPr lang="ja-JP" altLang="en-US" sz="1400" dirty="0">
+                  <a:solidFill>
+                    <a:schemeClr val="tx1"/>
+                  </a:solidFill>
+                  <a:latin typeface="メイリオ" panose="020B0604030504040204" pitchFamily="50" charset="-128"/>
+                  <a:ea typeface="メイリオ" panose="020B0604030504040204" pitchFamily="50" charset="-128"/>
+                  <a:cs typeface="メイリオ" panose="020B0604030504040204" pitchFamily="50" charset="-128"/>
+                </a:rPr>
+                <a:t>パスワード</a:t>
+              </a:r>
+            </a:p>
+            <a:p>
+              <a:r>
+                <a:rPr lang="ja-JP" altLang="en-US" sz="1400" dirty="0">
+                  <a:solidFill>
+                    <a:schemeClr val="tx1"/>
+                  </a:solidFill>
+                  <a:latin typeface="メイリオ" panose="020B0604030504040204" pitchFamily="50" charset="-128"/>
+                  <a:ea typeface="メイリオ" panose="020B0604030504040204" pitchFamily="50" charset="-128"/>
+                  <a:cs typeface="メイリオ" panose="020B0604030504040204" pitchFamily="50" charset="-128"/>
+                </a:rPr>
+                <a:t>名前</a:t>
+              </a:r>
+            </a:p>
+            <a:p>
+              <a:r>
+                <a:rPr lang="ja-JP" altLang="en-US" sz="1400" dirty="0">
+                  <a:solidFill>
+                    <a:schemeClr val="tx1"/>
+                  </a:solidFill>
+                  <a:latin typeface="メイリオ" panose="020B0604030504040204" pitchFamily="50" charset="-128"/>
+                  <a:ea typeface="メイリオ" panose="020B0604030504040204" pitchFamily="50" charset="-128"/>
+                  <a:cs typeface="メイリオ" panose="020B0604030504040204" pitchFamily="50" charset="-128"/>
+                </a:rPr>
+                <a:t>ふりがな</a:t>
+              </a:r>
+            </a:p>
+            <a:p>
+              <a:r>
+                <a:rPr lang="ja-JP" altLang="en-US" sz="1400" dirty="0" smtClean="0">
+                  <a:solidFill>
+                    <a:schemeClr val="tx1"/>
+                  </a:solidFill>
+                  <a:latin typeface="メイリオ" panose="020B0604030504040204" pitchFamily="50" charset="-128"/>
+                  <a:ea typeface="メイリオ" panose="020B0604030504040204" pitchFamily="50" charset="-128"/>
+                  <a:cs typeface="メイリオ" panose="020B0604030504040204" pitchFamily="50" charset="-128"/>
+                </a:rPr>
+                <a:t>性別</a:t>
+              </a:r>
+              <a:endParaRPr lang="en-US" altLang="ja-JP" sz="1400" dirty="0" smtClean="0">
                 <a:solidFill>
                   <a:schemeClr val="tx1"/>
                 </a:solidFill>
                 <a:latin typeface="メイリオ" panose="020B0604030504040204" pitchFamily="50" charset="-128"/>
                 <a:ea typeface="メイリオ" panose="020B0604030504040204" pitchFamily="50" charset="-128"/>
                 <a:cs typeface="メイリオ" panose="020B0604030504040204" pitchFamily="50" charset="-128"/>
-              </a:rPr>
-              <a:t>投稿マスタ</a:t>
-            </a:r>
-            <a:endParaRPr kumimoji="1" lang="ja-JP" altLang="en-US" sz="1600" dirty="0">
-              <a:solidFill>
-                <a:schemeClr val="tx1"/>
-              </a:solidFill>
-              <a:latin typeface="メイリオ" panose="020B0604030504040204" pitchFamily="50" charset="-128"/>
-              <a:ea typeface="メイリオ" panose="020B0604030504040204" pitchFamily="50" charset="-128"/>
-              <a:cs typeface="メイリオ" panose="020B0604030504040204" pitchFamily="50" charset="-128"/>
-            </a:endParaRPr>
-          </a:p>
-        </p:txBody>
-      </p:sp>
-      <p:sp>
-        <p:nvSpPr>
-          <p:cNvPr id="58" name="正方形/長方形 57"/>
-          <p:cNvSpPr/>
-          <p:nvPr/>
-        </p:nvSpPr>
-        <p:spPr>
-          <a:xfrm>
-            <a:off x="1800314" y="2919638"/>
-            <a:ext cx="2657377" cy="1571085"/>
-          </a:xfrm>
-          <a:prstGeom prst="rect">
-            <a:avLst/>
-          </a:prstGeom>
-          <a:noFill/>
-          <a:ln>
-            <a:noFill/>
-          </a:ln>
-        </p:spPr>
-        <p:style>
-          <a:lnRef idx="2">
-            <a:schemeClr val="accent1">
-              <a:shade val="50000"/>
-            </a:schemeClr>
-          </a:lnRef>
-          <a:fillRef idx="1">
-            <a:schemeClr val="accent1"/>
-          </a:fillRef>
-          <a:effectRef idx="0">
-            <a:schemeClr val="accent1"/>
-          </a:effectRef>
-          <a:fontRef idx="minor">
-            <a:schemeClr val="lt1"/>
-          </a:fontRef>
-        </p:style>
-        <p:txBody>
-          <a:bodyPr rtlCol="0" anchor="t"/>
-          <a:lstStyle/>
-          <a:p>
-            <a:r>
-              <a:rPr kumimoji="1" lang="en-US" altLang="ja-JP" sz="1400" dirty="0" smtClean="0">
+              </a:endParaRPr>
+            </a:p>
+            <a:p>
+              <a:r>
+                <a:rPr lang="ja-JP" altLang="en-US" sz="1400" dirty="0" smtClean="0">
+                  <a:solidFill>
+                    <a:schemeClr val="tx1"/>
+                  </a:solidFill>
+                  <a:latin typeface="メイリオ" panose="020B0604030504040204" pitchFamily="50" charset="-128"/>
+                  <a:ea typeface="メイリオ" panose="020B0604030504040204" pitchFamily="50" charset="-128"/>
+                  <a:cs typeface="メイリオ" panose="020B0604030504040204" pitchFamily="50" charset="-128"/>
+                </a:rPr>
+                <a:t>部署コード</a:t>
+              </a:r>
+              <a:r>
+                <a:rPr lang="en-US" altLang="ja-JP" sz="1400" dirty="0">
+                  <a:solidFill>
+                    <a:schemeClr val="tx1"/>
+                  </a:solidFill>
+                  <a:latin typeface="メイリオ" panose="020B0604030504040204" pitchFamily="50" charset="-128"/>
+                  <a:ea typeface="メイリオ" panose="020B0604030504040204" pitchFamily="50" charset="-128"/>
+                  <a:cs typeface="メイリオ" panose="020B0604030504040204" pitchFamily="50" charset="-128"/>
+                </a:rPr>
+                <a:t>(FK)</a:t>
+              </a:r>
+              <a:endParaRPr lang="ja-JP" altLang="en-US" sz="1400" dirty="0">
                 <a:solidFill>
                   <a:schemeClr val="tx1"/>
                 </a:solidFill>
                 <a:latin typeface="メイリオ" panose="020B0604030504040204" pitchFamily="50" charset="-128"/>
                 <a:ea typeface="メイリオ" panose="020B0604030504040204" pitchFamily="50" charset="-128"/>
                 <a:cs typeface="メイリオ" panose="020B0604030504040204" pitchFamily="50" charset="-128"/>
-              </a:rPr>
-              <a:t>E-Mail</a:t>
-            </a:r>
-          </a:p>
-          <a:p>
-            <a:r>
-              <a:rPr kumimoji="1" lang="ja-JP" altLang="en-US" sz="1400" dirty="0" smtClean="0">
+              </a:endParaRPr>
+            </a:p>
+            <a:p>
+              <a:r>
+                <a:rPr lang="ja-JP" altLang="en-US" sz="1400" dirty="0" smtClean="0">
+                  <a:solidFill>
+                    <a:schemeClr val="tx1"/>
+                  </a:solidFill>
+                  <a:latin typeface="メイリオ" panose="020B0604030504040204" pitchFamily="50" charset="-128"/>
+                  <a:ea typeface="メイリオ" panose="020B0604030504040204" pitchFamily="50" charset="-128"/>
+                  <a:cs typeface="メイリオ" panose="020B0604030504040204" pitchFamily="50" charset="-128"/>
+                </a:rPr>
+                <a:t>課コード</a:t>
+              </a:r>
+              <a:r>
+                <a:rPr lang="en-US" altLang="ja-JP" sz="1400" dirty="0">
+                  <a:solidFill>
+                    <a:schemeClr val="tx1"/>
+                  </a:solidFill>
+                  <a:latin typeface="メイリオ" panose="020B0604030504040204" pitchFamily="50" charset="-128"/>
+                  <a:ea typeface="メイリオ" panose="020B0604030504040204" pitchFamily="50" charset="-128"/>
+                  <a:cs typeface="メイリオ" panose="020B0604030504040204" pitchFamily="50" charset="-128"/>
+                </a:rPr>
+                <a:t>(FK)</a:t>
+              </a:r>
+              <a:endParaRPr lang="ja-JP" altLang="en-US" sz="1400" dirty="0">
                 <a:solidFill>
                   <a:schemeClr val="tx1"/>
                 </a:solidFill>
                 <a:latin typeface="メイリオ" panose="020B0604030504040204" pitchFamily="50" charset="-128"/>
                 <a:ea typeface="メイリオ" panose="020B0604030504040204" pitchFamily="50" charset="-128"/>
                 <a:cs typeface="メイリオ" panose="020B0604030504040204" pitchFamily="50" charset="-128"/>
-              </a:rPr>
-              <a:t>コメント</a:t>
-            </a:r>
-            <a:endParaRPr kumimoji="1" lang="en-US" altLang="ja-JP" sz="1400" dirty="0" smtClean="0">
-              <a:solidFill>
-                <a:schemeClr val="tx1"/>
-              </a:solidFill>
-              <a:latin typeface="メイリオ" panose="020B0604030504040204" pitchFamily="50" charset="-128"/>
-              <a:ea typeface="メイリオ" panose="020B0604030504040204" pitchFamily="50" charset="-128"/>
-              <a:cs typeface="メイリオ" panose="020B0604030504040204" pitchFamily="50" charset="-128"/>
-            </a:endParaRPr>
-          </a:p>
-          <a:p>
-            <a:r>
-              <a:rPr lang="ja-JP" altLang="en-US" sz="1400" dirty="0" smtClean="0">
+              </a:endParaRPr>
+            </a:p>
+            <a:p>
+              <a:r>
+                <a:rPr lang="ja-JP" altLang="en-US" sz="1400" dirty="0">
+                  <a:solidFill>
+                    <a:schemeClr val="tx1"/>
+                  </a:solidFill>
+                  <a:latin typeface="メイリオ" panose="020B0604030504040204" pitchFamily="50" charset="-128"/>
+                  <a:ea typeface="メイリオ" panose="020B0604030504040204" pitchFamily="50" charset="-128"/>
+                  <a:cs typeface="メイリオ" panose="020B0604030504040204" pitchFamily="50" charset="-128"/>
+                </a:rPr>
+                <a:t>役職</a:t>
+              </a:r>
+              <a:r>
+                <a:rPr lang="ja-JP" altLang="en-US" sz="1400" dirty="0" smtClean="0">
+                  <a:solidFill>
+                    <a:schemeClr val="tx1"/>
+                  </a:solidFill>
+                  <a:latin typeface="メイリオ" panose="020B0604030504040204" pitchFamily="50" charset="-128"/>
+                  <a:ea typeface="メイリオ" panose="020B0604030504040204" pitchFamily="50" charset="-128"/>
+                  <a:cs typeface="メイリオ" panose="020B0604030504040204" pitchFamily="50" charset="-128"/>
+                </a:rPr>
+                <a:t>コード</a:t>
+              </a:r>
+              <a:r>
+                <a:rPr lang="en-US" altLang="ja-JP" sz="1400" dirty="0">
+                  <a:solidFill>
+                    <a:schemeClr val="tx1"/>
+                  </a:solidFill>
+                  <a:latin typeface="メイリオ" panose="020B0604030504040204" pitchFamily="50" charset="-128"/>
+                  <a:ea typeface="メイリオ" panose="020B0604030504040204" pitchFamily="50" charset="-128"/>
+                  <a:cs typeface="メイリオ" panose="020B0604030504040204" pitchFamily="50" charset="-128"/>
+                </a:rPr>
+                <a:t>(FK)</a:t>
+              </a:r>
+              <a:endParaRPr lang="ja-JP" altLang="en-US" sz="1400" dirty="0">
                 <a:solidFill>
                   <a:schemeClr val="tx1"/>
                 </a:solidFill>
                 <a:latin typeface="メイリオ" panose="020B0604030504040204" pitchFamily="50" charset="-128"/>
                 <a:ea typeface="メイリオ" panose="020B0604030504040204" pitchFamily="50" charset="-128"/>
                 <a:cs typeface="メイリオ" panose="020B0604030504040204" pitchFamily="50" charset="-128"/>
-              </a:rPr>
-              <a:t>日時</a:t>
-            </a:r>
-            <a:r>
-              <a:rPr lang="en-US" altLang="ja-JP" sz="1400" dirty="0" smtClean="0">
+              </a:endParaRPr>
+            </a:p>
+            <a:p>
+              <a:r>
+                <a:rPr lang="ja-JP" altLang="en-US" sz="1400" dirty="0">
+                  <a:solidFill>
+                    <a:schemeClr val="tx1"/>
+                  </a:solidFill>
+                  <a:latin typeface="メイリオ" panose="020B0604030504040204" pitchFamily="50" charset="-128"/>
+                  <a:ea typeface="メイリオ" panose="020B0604030504040204" pitchFamily="50" charset="-128"/>
+                  <a:cs typeface="メイリオ" panose="020B0604030504040204" pitchFamily="50" charset="-128"/>
+                </a:rPr>
+                <a:t>役職詳細</a:t>
+              </a:r>
+            </a:p>
+            <a:p>
+              <a:r>
+                <a:rPr lang="ja-JP" altLang="en-US" sz="1400" dirty="0">
+                  <a:solidFill>
+                    <a:schemeClr val="tx1"/>
+                  </a:solidFill>
+                  <a:latin typeface="メイリオ" panose="020B0604030504040204" pitchFamily="50" charset="-128"/>
+                  <a:ea typeface="メイリオ" panose="020B0604030504040204" pitchFamily="50" charset="-128"/>
+                  <a:cs typeface="メイリオ" panose="020B0604030504040204" pitchFamily="50" charset="-128"/>
+                </a:rPr>
+                <a:t>内線番号</a:t>
+              </a:r>
+            </a:p>
+            <a:p>
+              <a:r>
+                <a:rPr lang="ja-JP" altLang="en-US" sz="1400" dirty="0">
+                  <a:solidFill>
+                    <a:schemeClr val="tx1"/>
+                  </a:solidFill>
+                  <a:latin typeface="メイリオ" panose="020B0604030504040204" pitchFamily="50" charset="-128"/>
+                  <a:ea typeface="メイリオ" panose="020B0604030504040204" pitchFamily="50" charset="-128"/>
+                  <a:cs typeface="メイリオ" panose="020B0604030504040204" pitchFamily="50" charset="-128"/>
+                </a:rPr>
+                <a:t>業務携帯番号</a:t>
+              </a:r>
+            </a:p>
+            <a:p>
+              <a:r>
+                <a:rPr lang="ja-JP" altLang="en-US" sz="1400" dirty="0">
+                  <a:solidFill>
+                    <a:schemeClr val="tx1"/>
+                  </a:solidFill>
+                  <a:latin typeface="メイリオ" panose="020B0604030504040204" pitchFamily="50" charset="-128"/>
+                  <a:ea typeface="メイリオ" panose="020B0604030504040204" pitchFamily="50" charset="-128"/>
+                  <a:cs typeface="メイリオ" panose="020B0604030504040204" pitchFamily="50" charset="-128"/>
+                </a:rPr>
+                <a:t>管理者フラグ</a:t>
+              </a:r>
+            </a:p>
+            <a:p>
+              <a:r>
+                <a:rPr lang="ja-JP" altLang="en-US" sz="1400" dirty="0">
+                  <a:solidFill>
+                    <a:schemeClr val="tx1"/>
+                  </a:solidFill>
+                  <a:latin typeface="メイリオ" panose="020B0604030504040204" pitchFamily="50" charset="-128"/>
+                  <a:ea typeface="メイリオ" panose="020B0604030504040204" pitchFamily="50" charset="-128"/>
+                  <a:cs typeface="メイリオ" panose="020B0604030504040204" pitchFamily="50" charset="-128"/>
+                </a:rPr>
+                <a:t>登録日時</a:t>
+              </a:r>
+              <a:endParaRPr kumimoji="1" lang="en-US" altLang="ja-JP" sz="1400" dirty="0" smtClean="0">
                 <a:solidFill>
                   <a:schemeClr val="tx1"/>
                 </a:solidFill>
                 <a:latin typeface="メイリオ" panose="020B0604030504040204" pitchFamily="50" charset="-128"/>
                 <a:ea typeface="メイリオ" panose="020B0604030504040204" pitchFamily="50" charset="-128"/>
                 <a:cs typeface="メイリオ" panose="020B0604030504040204" pitchFamily="50" charset="-128"/>
-              </a:rPr>
-              <a:t/>
-            </a:r>
-            <a:br>
-              <a:rPr lang="en-US" altLang="ja-JP" sz="1400" dirty="0" smtClean="0">
+              </a:endParaRPr>
+            </a:p>
+          </p:txBody>
+        </p:sp>
+      </p:grpSp>
+      <p:grpSp>
+        <p:nvGrpSpPr>
+          <p:cNvPr id="24" name="グループ化 23"/>
+          <p:cNvGrpSpPr/>
+          <p:nvPr/>
+        </p:nvGrpSpPr>
+        <p:grpSpPr>
+          <a:xfrm>
+            <a:off x="7166960" y="819167"/>
+            <a:ext cx="3024022" cy="1022855"/>
+            <a:chOff x="7166960" y="962388"/>
+            <a:chExt cx="3024022" cy="1022855"/>
+          </a:xfrm>
+        </p:grpSpPr>
+        <p:sp>
+          <p:nvSpPr>
+            <p:cNvPr id="64" name="正方形/長方形 63"/>
+            <p:cNvSpPr/>
+            <p:nvPr/>
+          </p:nvSpPr>
+          <p:spPr>
+            <a:xfrm>
+              <a:off x="7179660" y="962388"/>
+              <a:ext cx="2657377" cy="432493"/>
+            </a:xfrm>
+            <a:prstGeom prst="rect">
+              <a:avLst/>
+            </a:prstGeom>
+            <a:noFill/>
+            <a:ln>
+              <a:noFill/>
+            </a:ln>
+          </p:spPr>
+          <p:style>
+            <a:lnRef idx="2">
+              <a:schemeClr val="accent1">
+                <a:shade val="50000"/>
+              </a:schemeClr>
+            </a:lnRef>
+            <a:fillRef idx="1">
+              <a:schemeClr val="accent1"/>
+            </a:fillRef>
+            <a:effectRef idx="0">
+              <a:schemeClr val="accent1"/>
+            </a:effectRef>
+            <a:fontRef idx="minor">
+              <a:schemeClr val="lt1"/>
+            </a:fontRef>
+          </p:style>
+          <p:txBody>
+            <a:bodyPr rtlCol="0" anchor="t"/>
+            <a:lstStyle/>
+            <a:p>
+              <a:r>
+                <a:rPr lang="ja-JP" altLang="en-US" sz="1600" dirty="0">
+                  <a:solidFill>
+                    <a:schemeClr val="tx1"/>
+                  </a:solidFill>
+                  <a:latin typeface="メイリオ" panose="020B0604030504040204" pitchFamily="50" charset="-128"/>
+                  <a:ea typeface="メイリオ" panose="020B0604030504040204" pitchFamily="50" charset="-128"/>
+                  <a:cs typeface="メイリオ" panose="020B0604030504040204" pitchFamily="50" charset="-128"/>
+                </a:rPr>
+                <a:t>拠点マスタ</a:t>
+              </a:r>
+              <a:endParaRPr kumimoji="1" lang="ja-JP" altLang="en-US" sz="1600" dirty="0">
                 <a:solidFill>
                   <a:schemeClr val="tx1"/>
                 </a:solidFill>
                 <a:latin typeface="メイリオ" panose="020B0604030504040204" pitchFamily="50" charset="-128"/>
                 <a:ea typeface="メイリオ" panose="020B0604030504040204" pitchFamily="50" charset="-128"/>
                 <a:cs typeface="メイリオ" panose="020B0604030504040204" pitchFamily="50" charset="-128"/>
-              </a:rPr>
-            </a:br>
-            <a:r>
-              <a:rPr lang="ja-JP" altLang="en-US" sz="1400" dirty="0" smtClean="0">
-                <a:solidFill>
-                  <a:schemeClr val="tx1"/>
-                </a:solidFill>
-                <a:latin typeface="メイリオ" panose="020B0604030504040204" pitchFamily="50" charset="-128"/>
-                <a:ea typeface="メイリオ" panose="020B0604030504040204" pitchFamily="50" charset="-128"/>
-                <a:cs typeface="メイリオ" panose="020B0604030504040204" pitchFamily="50" charset="-128"/>
-              </a:rPr>
-              <a:t>ユーザー</a:t>
-            </a:r>
-            <a:r>
-              <a:rPr lang="en-US" altLang="ja-JP" sz="1400" dirty="0" smtClean="0">
-                <a:solidFill>
-                  <a:schemeClr val="tx1"/>
-                </a:solidFill>
-                <a:latin typeface="メイリオ" panose="020B0604030504040204" pitchFamily="50" charset="-128"/>
-                <a:ea typeface="メイリオ" panose="020B0604030504040204" pitchFamily="50" charset="-128"/>
-                <a:cs typeface="メイリオ" panose="020B0604030504040204" pitchFamily="50" charset="-128"/>
-              </a:rPr>
-              <a:t>ID(FK)</a:t>
-            </a:r>
-            <a:endParaRPr kumimoji="1" lang="en-US" altLang="ja-JP" sz="1400" dirty="0" smtClean="0">
-              <a:solidFill>
-                <a:schemeClr val="tx1"/>
-              </a:solidFill>
-              <a:latin typeface="メイリオ" panose="020B0604030504040204" pitchFamily="50" charset="-128"/>
-              <a:ea typeface="メイリオ" panose="020B0604030504040204" pitchFamily="50" charset="-128"/>
-              <a:cs typeface="メイリオ" panose="020B0604030504040204" pitchFamily="50" charset="-128"/>
-            </a:endParaRPr>
-          </a:p>
-        </p:txBody>
-      </p:sp>
-      <p:grpSp>
-        <p:nvGrpSpPr>
-          <p:cNvPr id="59" name="グループ化 58"/>
-          <p:cNvGrpSpPr/>
-          <p:nvPr/>
-        </p:nvGrpSpPr>
-        <p:grpSpPr>
-          <a:xfrm>
-            <a:off x="7295105" y="2332458"/>
-            <a:ext cx="3024021" cy="2233953"/>
-            <a:chOff x="725566" y="1311214"/>
-            <a:chExt cx="2502376" cy="1689877"/>
-          </a:xfrm>
-        </p:grpSpPr>
+              </a:endParaRPr>
+            </a:p>
+          </p:txBody>
+        </p:sp>
         <p:sp>
           <p:nvSpPr>
             <p:cNvPr id="62" name="正方形/長方形 61"/>
@@ -4396,8 +4599,8 @@
           </p:nvSpPr>
           <p:spPr>
             <a:xfrm>
-              <a:off x="725566" y="1311214"/>
-              <a:ext cx="2502376" cy="1689877"/>
+              <a:off x="7166960" y="1265649"/>
+              <a:ext cx="3024021" cy="719594"/>
             </a:xfrm>
             <a:prstGeom prst="rect">
               <a:avLst/>
@@ -4451,8 +4654,8 @@
           </p:nvCxnSpPr>
           <p:spPr>
             <a:xfrm>
-              <a:off x="725566" y="1724981"/>
-              <a:ext cx="2502376" cy="0"/>
+              <a:off x="7166961" y="1570258"/>
+              <a:ext cx="3024021" cy="0"/>
             </a:xfrm>
             <a:prstGeom prst="straightConnector1">
               <a:avLst/>
@@ -4481,17 +4684,1745 @@
             </a:fontRef>
           </p:style>
         </p:cxnSp>
+        <p:sp>
+          <p:nvSpPr>
+            <p:cNvPr id="66" name="正方形/長方形 65"/>
+            <p:cNvSpPr/>
+            <p:nvPr/>
+          </p:nvSpPr>
+          <p:spPr>
+            <a:xfrm>
+              <a:off x="7182131" y="1274149"/>
+              <a:ext cx="2657377" cy="296109"/>
+            </a:xfrm>
+            <a:prstGeom prst="rect">
+              <a:avLst/>
+            </a:prstGeom>
+            <a:noFill/>
+            <a:ln>
+              <a:noFill/>
+            </a:ln>
+          </p:spPr>
+          <p:style>
+            <a:lnRef idx="2">
+              <a:schemeClr val="accent1">
+                <a:shade val="50000"/>
+              </a:schemeClr>
+            </a:lnRef>
+            <a:fillRef idx="1">
+              <a:schemeClr val="accent1"/>
+            </a:fillRef>
+            <a:effectRef idx="0">
+              <a:schemeClr val="accent1"/>
+            </a:effectRef>
+            <a:fontRef idx="minor">
+              <a:schemeClr val="lt1"/>
+            </a:fontRef>
+          </p:style>
+          <p:txBody>
+            <a:bodyPr rtlCol="0" anchor="t"/>
+            <a:lstStyle/>
+            <a:p>
+              <a:r>
+                <a:rPr lang="ja-JP" altLang="en-US" sz="1400" dirty="0">
+                  <a:solidFill>
+                    <a:schemeClr val="tx1"/>
+                  </a:solidFill>
+                  <a:latin typeface="メイリオ" panose="020B0604030504040204" pitchFamily="50" charset="-128"/>
+                  <a:ea typeface="メイリオ" panose="020B0604030504040204" pitchFamily="50" charset="-128"/>
+                  <a:cs typeface="メイリオ" panose="020B0604030504040204" pitchFamily="50" charset="-128"/>
+                </a:rPr>
+                <a:t>拠点コード</a:t>
+              </a:r>
+              <a:endParaRPr kumimoji="1" lang="ja-JP" altLang="en-US" sz="1400" dirty="0">
+                <a:solidFill>
+                  <a:schemeClr val="tx1"/>
+                </a:solidFill>
+                <a:latin typeface="メイリオ" panose="020B0604030504040204" pitchFamily="50" charset="-128"/>
+                <a:ea typeface="メイリオ" panose="020B0604030504040204" pitchFamily="50" charset="-128"/>
+                <a:cs typeface="メイリオ" panose="020B0604030504040204" pitchFamily="50" charset="-128"/>
+              </a:endParaRPr>
+            </a:p>
+          </p:txBody>
+        </p:sp>
+        <p:sp>
+          <p:nvSpPr>
+            <p:cNvPr id="68" name="正方形/長方形 67"/>
+            <p:cNvSpPr/>
+            <p:nvPr/>
+          </p:nvSpPr>
+          <p:spPr>
+            <a:xfrm>
+              <a:off x="7182132" y="1590756"/>
+              <a:ext cx="2657377" cy="364203"/>
+            </a:xfrm>
+            <a:prstGeom prst="rect">
+              <a:avLst/>
+            </a:prstGeom>
+            <a:noFill/>
+            <a:ln>
+              <a:noFill/>
+            </a:ln>
+          </p:spPr>
+          <p:style>
+            <a:lnRef idx="2">
+              <a:schemeClr val="accent1">
+                <a:shade val="50000"/>
+              </a:schemeClr>
+            </a:lnRef>
+            <a:fillRef idx="1">
+              <a:schemeClr val="accent1"/>
+            </a:fillRef>
+            <a:effectRef idx="0">
+              <a:schemeClr val="accent1"/>
+            </a:effectRef>
+            <a:fontRef idx="minor">
+              <a:schemeClr val="lt1"/>
+            </a:fontRef>
+          </p:style>
+          <p:txBody>
+            <a:bodyPr rtlCol="0" anchor="t"/>
+            <a:lstStyle/>
+            <a:p>
+              <a:r>
+                <a:rPr lang="ja-JP" altLang="en-US" sz="1400" dirty="0">
+                  <a:solidFill>
+                    <a:schemeClr val="tx1"/>
+                  </a:solidFill>
+                  <a:latin typeface="メイリオ" panose="020B0604030504040204" pitchFamily="50" charset="-128"/>
+                  <a:ea typeface="メイリオ" panose="020B0604030504040204" pitchFamily="50" charset="-128"/>
+                  <a:cs typeface="メイリオ" panose="020B0604030504040204" pitchFamily="50" charset="-128"/>
+                </a:rPr>
+                <a:t>拠点名</a:t>
+              </a:r>
+              <a:endParaRPr kumimoji="1" lang="en-US" altLang="ja-JP" sz="1400" dirty="0" smtClean="0">
+                <a:solidFill>
+                  <a:schemeClr val="tx1"/>
+                </a:solidFill>
+                <a:latin typeface="メイリオ" panose="020B0604030504040204" pitchFamily="50" charset="-128"/>
+                <a:ea typeface="メイリオ" panose="020B0604030504040204" pitchFamily="50" charset="-128"/>
+                <a:cs typeface="メイリオ" panose="020B0604030504040204" pitchFamily="50" charset="-128"/>
+              </a:endParaRPr>
+            </a:p>
+          </p:txBody>
+        </p:sp>
+      </p:grpSp>
+      <p:grpSp>
+        <p:nvGrpSpPr>
+          <p:cNvPr id="23" name="グループ化 22"/>
+          <p:cNvGrpSpPr/>
+          <p:nvPr/>
+        </p:nvGrpSpPr>
+        <p:grpSpPr>
+          <a:xfrm>
+            <a:off x="7166960" y="2817997"/>
+            <a:ext cx="3024022" cy="1157993"/>
+            <a:chOff x="7166960" y="2212074"/>
+            <a:chExt cx="3024022" cy="1157993"/>
+          </a:xfrm>
+        </p:grpSpPr>
+        <p:sp>
+          <p:nvSpPr>
+            <p:cNvPr id="41" name="正方形/長方形 40"/>
+            <p:cNvSpPr/>
+            <p:nvPr/>
+          </p:nvSpPr>
+          <p:spPr>
+            <a:xfrm>
+              <a:off x="7179660" y="2212074"/>
+              <a:ext cx="2657377" cy="432493"/>
+            </a:xfrm>
+            <a:prstGeom prst="rect">
+              <a:avLst/>
+            </a:prstGeom>
+            <a:noFill/>
+            <a:ln>
+              <a:noFill/>
+            </a:ln>
+          </p:spPr>
+          <p:style>
+            <a:lnRef idx="2">
+              <a:schemeClr val="accent1">
+                <a:shade val="50000"/>
+              </a:schemeClr>
+            </a:lnRef>
+            <a:fillRef idx="1">
+              <a:schemeClr val="accent1"/>
+            </a:fillRef>
+            <a:effectRef idx="0">
+              <a:schemeClr val="accent1"/>
+            </a:effectRef>
+            <a:fontRef idx="minor">
+              <a:schemeClr val="lt1"/>
+            </a:fontRef>
+          </p:style>
+          <p:txBody>
+            <a:bodyPr rtlCol="0" anchor="t"/>
+            <a:lstStyle/>
+            <a:p>
+              <a:r>
+                <a:rPr lang="ja-JP" altLang="en-US" sz="1600" dirty="0">
+                  <a:solidFill>
+                    <a:schemeClr val="tx1"/>
+                  </a:solidFill>
+                  <a:latin typeface="メイリオ" panose="020B0604030504040204" pitchFamily="50" charset="-128"/>
+                  <a:ea typeface="メイリオ" panose="020B0604030504040204" pitchFamily="50" charset="-128"/>
+                  <a:cs typeface="メイリオ" panose="020B0604030504040204" pitchFamily="50" charset="-128"/>
+                </a:rPr>
+                <a:t>部署マスタ</a:t>
+              </a:r>
+              <a:endParaRPr kumimoji="1" lang="ja-JP" altLang="en-US" sz="1600" dirty="0">
+                <a:solidFill>
+                  <a:schemeClr val="tx1"/>
+                </a:solidFill>
+                <a:latin typeface="メイリオ" panose="020B0604030504040204" pitchFamily="50" charset="-128"/>
+                <a:ea typeface="メイリオ" panose="020B0604030504040204" pitchFamily="50" charset="-128"/>
+                <a:cs typeface="メイリオ" panose="020B0604030504040204" pitchFamily="50" charset="-128"/>
+              </a:endParaRPr>
+            </a:p>
+          </p:txBody>
+        </p:sp>
+        <p:sp>
+          <p:nvSpPr>
+            <p:cNvPr id="42" name="正方形/長方形 41"/>
+            <p:cNvSpPr/>
+            <p:nvPr/>
+          </p:nvSpPr>
+          <p:spPr>
+            <a:xfrm>
+              <a:off x="7166960" y="2515334"/>
+              <a:ext cx="3024021" cy="854733"/>
+            </a:xfrm>
+            <a:prstGeom prst="rect">
+              <a:avLst/>
+            </a:prstGeom>
+            <a:solidFill>
+              <a:schemeClr val="bg1"/>
+            </a:solidFill>
+            <a:ln>
+              <a:solidFill>
+                <a:schemeClr val="tx1"/>
+              </a:solidFill>
+            </a:ln>
+          </p:spPr>
+          <p:style>
+            <a:lnRef idx="2">
+              <a:schemeClr val="accent1">
+                <a:shade val="50000"/>
+              </a:schemeClr>
+            </a:lnRef>
+            <a:fillRef idx="1">
+              <a:schemeClr val="accent1"/>
+            </a:fillRef>
+            <a:effectRef idx="0">
+              <a:schemeClr val="accent1"/>
+            </a:effectRef>
+            <a:fontRef idx="minor">
+              <a:schemeClr val="lt1"/>
+            </a:fontRef>
+          </p:style>
+          <p:txBody>
+            <a:bodyPr rtlCol="0" anchor="ctr"/>
+            <a:lstStyle/>
+            <a:p>
+              <a:pPr algn="ctr"/>
+              <a:endParaRPr kumimoji="1" lang="ja-JP" altLang="en-US" sz="1400" dirty="0">
+                <a:solidFill>
+                  <a:schemeClr val="tx1"/>
+                </a:solidFill>
+                <a:latin typeface="メイリオ" panose="020B0604030504040204" pitchFamily="50" charset="-128"/>
+                <a:ea typeface="メイリオ" panose="020B0604030504040204" pitchFamily="50" charset="-128"/>
+                <a:cs typeface="メイリオ" panose="020B0604030504040204" pitchFamily="50" charset="-128"/>
+              </a:endParaRPr>
+            </a:p>
+          </p:txBody>
+        </p:sp>
+        <p:cxnSp>
+          <p:nvCxnSpPr>
+            <p:cNvPr id="43" name="直線矢印コネクタ 42"/>
+            <p:cNvCxnSpPr/>
+            <p:nvPr/>
+          </p:nvCxnSpPr>
+          <p:spPr>
+            <a:xfrm>
+              <a:off x="7166961" y="2841982"/>
+              <a:ext cx="3024021" cy="0"/>
+            </a:xfrm>
+            <a:prstGeom prst="straightConnector1">
+              <a:avLst/>
+            </a:prstGeom>
+            <a:ln w="12700">
+              <a:solidFill>
+                <a:schemeClr val="tx1"/>
+              </a:solidFill>
+              <a:prstDash val="solid"/>
+              <a:headEnd type="none" w="med" len="med"/>
+              <a:tailEnd type="none" w="med" len="med"/>
+            </a:ln>
+          </p:spPr>
+          <p:style>
+            <a:lnRef idx="1">
+              <a:schemeClr val="accent1"/>
+            </a:lnRef>
+            <a:fillRef idx="0">
+              <a:schemeClr val="accent1"/>
+            </a:fillRef>
+            <a:effectRef idx="0">
+              <a:schemeClr val="accent1"/>
+            </a:effectRef>
+            <a:fontRef idx="minor">
+              <a:schemeClr val="tx1"/>
+            </a:fontRef>
+          </p:style>
+        </p:cxnSp>
+        <p:sp>
+          <p:nvSpPr>
+            <p:cNvPr id="44" name="正方形/長方形 43"/>
+            <p:cNvSpPr/>
+            <p:nvPr/>
+          </p:nvSpPr>
+          <p:spPr>
+            <a:xfrm>
+              <a:off x="7181789" y="2522996"/>
+              <a:ext cx="2657377" cy="296302"/>
+            </a:xfrm>
+            <a:prstGeom prst="rect">
+              <a:avLst/>
+            </a:prstGeom>
+            <a:noFill/>
+            <a:ln>
+              <a:noFill/>
+            </a:ln>
+          </p:spPr>
+          <p:style>
+            <a:lnRef idx="2">
+              <a:schemeClr val="accent1">
+                <a:shade val="50000"/>
+              </a:schemeClr>
+            </a:lnRef>
+            <a:fillRef idx="1">
+              <a:schemeClr val="accent1"/>
+            </a:fillRef>
+            <a:effectRef idx="0">
+              <a:schemeClr val="accent1"/>
+            </a:effectRef>
+            <a:fontRef idx="minor">
+              <a:schemeClr val="lt1"/>
+            </a:fontRef>
+          </p:style>
+          <p:txBody>
+            <a:bodyPr rtlCol="0" anchor="t"/>
+            <a:lstStyle/>
+            <a:p>
+              <a:r>
+                <a:rPr lang="ja-JP" altLang="en-US" sz="1400" dirty="0" smtClean="0">
+                  <a:solidFill>
+                    <a:schemeClr val="tx1"/>
+                  </a:solidFill>
+                  <a:latin typeface="メイリオ" panose="020B0604030504040204" pitchFamily="50" charset="-128"/>
+                  <a:ea typeface="メイリオ" panose="020B0604030504040204" pitchFamily="50" charset="-128"/>
+                  <a:cs typeface="メイリオ" panose="020B0604030504040204" pitchFamily="50" charset="-128"/>
+                </a:rPr>
+                <a:t>部署</a:t>
+              </a:r>
+              <a:r>
+                <a:rPr lang="ja-JP" altLang="en-US" sz="1400" dirty="0">
+                  <a:solidFill>
+                    <a:schemeClr val="tx1"/>
+                  </a:solidFill>
+                  <a:latin typeface="メイリオ" panose="020B0604030504040204" pitchFamily="50" charset="-128"/>
+                  <a:ea typeface="メイリオ" panose="020B0604030504040204" pitchFamily="50" charset="-128"/>
+                  <a:cs typeface="メイリオ" panose="020B0604030504040204" pitchFamily="50" charset="-128"/>
+                </a:rPr>
+                <a:t>コード</a:t>
+              </a:r>
+              <a:endParaRPr kumimoji="1" lang="ja-JP" altLang="en-US" sz="1400" dirty="0">
+                <a:solidFill>
+                  <a:schemeClr val="tx1"/>
+                </a:solidFill>
+                <a:latin typeface="メイリオ" panose="020B0604030504040204" pitchFamily="50" charset="-128"/>
+                <a:ea typeface="メイリオ" panose="020B0604030504040204" pitchFamily="50" charset="-128"/>
+                <a:cs typeface="メイリオ" panose="020B0604030504040204" pitchFamily="50" charset="-128"/>
+              </a:endParaRPr>
+            </a:p>
+          </p:txBody>
+        </p:sp>
+        <p:sp>
+          <p:nvSpPr>
+            <p:cNvPr id="45" name="正方形/長方形 44"/>
+            <p:cNvSpPr/>
+            <p:nvPr/>
+          </p:nvSpPr>
+          <p:spPr>
+            <a:xfrm>
+              <a:off x="7182132" y="2851457"/>
+              <a:ext cx="2657377" cy="481774"/>
+            </a:xfrm>
+            <a:prstGeom prst="rect">
+              <a:avLst/>
+            </a:prstGeom>
+            <a:noFill/>
+            <a:ln>
+              <a:noFill/>
+            </a:ln>
+          </p:spPr>
+          <p:style>
+            <a:lnRef idx="2">
+              <a:schemeClr val="accent1">
+                <a:shade val="50000"/>
+              </a:schemeClr>
+            </a:lnRef>
+            <a:fillRef idx="1">
+              <a:schemeClr val="accent1"/>
+            </a:fillRef>
+            <a:effectRef idx="0">
+              <a:schemeClr val="accent1"/>
+            </a:effectRef>
+            <a:fontRef idx="minor">
+              <a:schemeClr val="lt1"/>
+            </a:fontRef>
+          </p:style>
+          <p:txBody>
+            <a:bodyPr rtlCol="0" anchor="t"/>
+            <a:lstStyle/>
+            <a:p>
+              <a:r>
+                <a:rPr lang="ja-JP" altLang="en-US" sz="1400" dirty="0">
+                  <a:solidFill>
+                    <a:schemeClr val="tx1"/>
+                  </a:solidFill>
+                  <a:latin typeface="メイリオ" panose="020B0604030504040204" pitchFamily="50" charset="-128"/>
+                  <a:ea typeface="メイリオ" panose="020B0604030504040204" pitchFamily="50" charset="-128"/>
+                  <a:cs typeface="メイリオ" panose="020B0604030504040204" pitchFamily="50" charset="-128"/>
+                </a:rPr>
+                <a:t>部</a:t>
+              </a:r>
+              <a:r>
+                <a:rPr lang="ja-JP" altLang="en-US" sz="1400" dirty="0" smtClean="0">
+                  <a:solidFill>
+                    <a:schemeClr val="tx1"/>
+                  </a:solidFill>
+                  <a:latin typeface="メイリオ" panose="020B0604030504040204" pitchFamily="50" charset="-128"/>
+                  <a:ea typeface="メイリオ" panose="020B0604030504040204" pitchFamily="50" charset="-128"/>
+                  <a:cs typeface="メイリオ" panose="020B0604030504040204" pitchFamily="50" charset="-128"/>
+                </a:rPr>
+                <a:t>署名</a:t>
+              </a:r>
+              <a:endParaRPr lang="en-US" altLang="ja-JP" sz="1400" dirty="0" smtClean="0">
+                <a:solidFill>
+                  <a:schemeClr val="tx1"/>
+                </a:solidFill>
+                <a:latin typeface="メイリオ" panose="020B0604030504040204" pitchFamily="50" charset="-128"/>
+                <a:ea typeface="メイリオ" panose="020B0604030504040204" pitchFamily="50" charset="-128"/>
+                <a:cs typeface="メイリオ" panose="020B0604030504040204" pitchFamily="50" charset="-128"/>
+              </a:endParaRPr>
+            </a:p>
+            <a:p>
+              <a:r>
+                <a:rPr lang="ja-JP" altLang="en-US" sz="1400" dirty="0">
+                  <a:solidFill>
+                    <a:schemeClr val="tx1"/>
+                  </a:solidFill>
+                  <a:latin typeface="メイリオ" panose="020B0604030504040204" pitchFamily="50" charset="-128"/>
+                  <a:ea typeface="メイリオ" panose="020B0604030504040204" pitchFamily="50" charset="-128"/>
+                  <a:cs typeface="メイリオ" panose="020B0604030504040204" pitchFamily="50" charset="-128"/>
+                </a:rPr>
+                <a:t>拠点</a:t>
+              </a:r>
+              <a:r>
+                <a:rPr lang="ja-JP" altLang="en-US" sz="1400" dirty="0" smtClean="0">
+                  <a:solidFill>
+                    <a:schemeClr val="tx1"/>
+                  </a:solidFill>
+                  <a:latin typeface="メイリオ" panose="020B0604030504040204" pitchFamily="50" charset="-128"/>
+                  <a:ea typeface="メイリオ" panose="020B0604030504040204" pitchFamily="50" charset="-128"/>
+                  <a:cs typeface="メイリオ" panose="020B0604030504040204" pitchFamily="50" charset="-128"/>
+                </a:rPr>
+                <a:t>コード</a:t>
+              </a:r>
+              <a:r>
+                <a:rPr lang="en-US" altLang="ja-JP" sz="1400" dirty="0" smtClean="0">
+                  <a:solidFill>
+                    <a:schemeClr val="tx1"/>
+                  </a:solidFill>
+                  <a:latin typeface="メイリオ" panose="020B0604030504040204" pitchFamily="50" charset="-128"/>
+                  <a:ea typeface="メイリオ" panose="020B0604030504040204" pitchFamily="50" charset="-128"/>
+                  <a:cs typeface="メイリオ" panose="020B0604030504040204" pitchFamily="50" charset="-128"/>
+                </a:rPr>
+                <a:t>(FK)</a:t>
+              </a:r>
+              <a:endParaRPr lang="en-US" altLang="ja-JP" sz="1400" dirty="0">
+                <a:solidFill>
+                  <a:schemeClr val="tx1"/>
+                </a:solidFill>
+                <a:latin typeface="メイリオ" panose="020B0604030504040204" pitchFamily="50" charset="-128"/>
+                <a:ea typeface="メイリオ" panose="020B0604030504040204" pitchFamily="50" charset="-128"/>
+                <a:cs typeface="メイリオ" panose="020B0604030504040204" pitchFamily="50" charset="-128"/>
+              </a:endParaRPr>
+            </a:p>
+          </p:txBody>
+        </p:sp>
+      </p:grpSp>
+      <p:grpSp>
+        <p:nvGrpSpPr>
+          <p:cNvPr id="21" name="グループ化 20"/>
+          <p:cNvGrpSpPr/>
+          <p:nvPr/>
+        </p:nvGrpSpPr>
+        <p:grpSpPr>
+          <a:xfrm>
+            <a:off x="7166958" y="5233957"/>
+            <a:ext cx="3024022" cy="981555"/>
+            <a:chOff x="7166958" y="5476331"/>
+            <a:chExt cx="3024022" cy="981555"/>
+          </a:xfrm>
+        </p:grpSpPr>
+        <p:sp>
+          <p:nvSpPr>
+            <p:cNvPr id="47" name="正方形/長方形 46"/>
+            <p:cNvSpPr/>
+            <p:nvPr/>
+          </p:nvSpPr>
+          <p:spPr>
+            <a:xfrm>
+              <a:off x="7179658" y="5476331"/>
+              <a:ext cx="2657377" cy="432493"/>
+            </a:xfrm>
+            <a:prstGeom prst="rect">
+              <a:avLst/>
+            </a:prstGeom>
+            <a:noFill/>
+            <a:ln>
+              <a:noFill/>
+            </a:ln>
+          </p:spPr>
+          <p:style>
+            <a:lnRef idx="2">
+              <a:schemeClr val="accent1">
+                <a:shade val="50000"/>
+              </a:schemeClr>
+            </a:lnRef>
+            <a:fillRef idx="1">
+              <a:schemeClr val="accent1"/>
+            </a:fillRef>
+            <a:effectRef idx="0">
+              <a:schemeClr val="accent1"/>
+            </a:effectRef>
+            <a:fontRef idx="minor">
+              <a:schemeClr val="lt1"/>
+            </a:fontRef>
+          </p:style>
+          <p:txBody>
+            <a:bodyPr rtlCol="0" anchor="t"/>
+            <a:lstStyle/>
+            <a:p>
+              <a:r>
+                <a:rPr lang="ja-JP" altLang="en-US" sz="1600" dirty="0">
+                  <a:solidFill>
+                    <a:schemeClr val="tx1"/>
+                  </a:solidFill>
+                  <a:latin typeface="メイリオ" panose="020B0604030504040204" pitchFamily="50" charset="-128"/>
+                  <a:ea typeface="メイリオ" panose="020B0604030504040204" pitchFamily="50" charset="-128"/>
+                  <a:cs typeface="メイリオ" panose="020B0604030504040204" pitchFamily="50" charset="-128"/>
+                </a:rPr>
+                <a:t>役職マスタ</a:t>
+              </a:r>
+              <a:endParaRPr kumimoji="1" lang="ja-JP" altLang="en-US" sz="1600" dirty="0">
+                <a:solidFill>
+                  <a:schemeClr val="tx1"/>
+                </a:solidFill>
+                <a:latin typeface="メイリオ" panose="020B0604030504040204" pitchFamily="50" charset="-128"/>
+                <a:ea typeface="メイリオ" panose="020B0604030504040204" pitchFamily="50" charset="-128"/>
+                <a:cs typeface="メイリオ" panose="020B0604030504040204" pitchFamily="50" charset="-128"/>
+              </a:endParaRPr>
+            </a:p>
+          </p:txBody>
+        </p:sp>
+        <p:sp>
+          <p:nvSpPr>
+            <p:cNvPr id="48" name="正方形/長方形 47"/>
+            <p:cNvSpPr/>
+            <p:nvPr/>
+          </p:nvSpPr>
+          <p:spPr>
+            <a:xfrm>
+              <a:off x="7166958" y="5779592"/>
+              <a:ext cx="3024021" cy="678294"/>
+            </a:xfrm>
+            <a:prstGeom prst="rect">
+              <a:avLst/>
+            </a:prstGeom>
+            <a:solidFill>
+              <a:schemeClr val="bg1"/>
+            </a:solidFill>
+            <a:ln>
+              <a:solidFill>
+                <a:schemeClr val="tx1"/>
+              </a:solidFill>
+            </a:ln>
+          </p:spPr>
+          <p:style>
+            <a:lnRef idx="2">
+              <a:schemeClr val="accent1">
+                <a:shade val="50000"/>
+              </a:schemeClr>
+            </a:lnRef>
+            <a:fillRef idx="1">
+              <a:schemeClr val="accent1"/>
+            </a:fillRef>
+            <a:effectRef idx="0">
+              <a:schemeClr val="accent1"/>
+            </a:effectRef>
+            <a:fontRef idx="minor">
+              <a:schemeClr val="lt1"/>
+            </a:fontRef>
+          </p:style>
+          <p:txBody>
+            <a:bodyPr rtlCol="0" anchor="ctr"/>
+            <a:lstStyle/>
+            <a:p>
+              <a:pPr algn="ctr"/>
+              <a:endParaRPr kumimoji="1" lang="ja-JP" altLang="en-US" sz="1400" dirty="0">
+                <a:solidFill>
+                  <a:schemeClr val="tx1"/>
+                </a:solidFill>
+                <a:latin typeface="メイリオ" panose="020B0604030504040204" pitchFamily="50" charset="-128"/>
+                <a:ea typeface="メイリオ" panose="020B0604030504040204" pitchFamily="50" charset="-128"/>
+                <a:cs typeface="メイリオ" panose="020B0604030504040204" pitchFamily="50" charset="-128"/>
+              </a:endParaRPr>
+            </a:p>
+          </p:txBody>
+        </p:sp>
+        <p:cxnSp>
+          <p:nvCxnSpPr>
+            <p:cNvPr id="49" name="直線矢印コネクタ 48"/>
+            <p:cNvCxnSpPr/>
+            <p:nvPr/>
+          </p:nvCxnSpPr>
+          <p:spPr>
+            <a:xfrm>
+              <a:off x="7166959" y="6084201"/>
+              <a:ext cx="3024021" cy="0"/>
+            </a:xfrm>
+            <a:prstGeom prst="straightConnector1">
+              <a:avLst/>
+            </a:prstGeom>
+            <a:ln w="12700">
+              <a:solidFill>
+                <a:schemeClr val="tx1"/>
+              </a:solidFill>
+              <a:prstDash val="solid"/>
+              <a:headEnd type="none" w="med" len="med"/>
+              <a:tailEnd type="none" w="med" len="med"/>
+            </a:ln>
+          </p:spPr>
+          <p:style>
+            <a:lnRef idx="1">
+              <a:schemeClr val="accent1"/>
+            </a:lnRef>
+            <a:fillRef idx="0">
+              <a:schemeClr val="accent1"/>
+            </a:fillRef>
+            <a:effectRef idx="0">
+              <a:schemeClr val="accent1"/>
+            </a:effectRef>
+            <a:fontRef idx="minor">
+              <a:schemeClr val="tx1"/>
+            </a:fontRef>
+          </p:style>
+        </p:cxnSp>
+        <p:sp>
+          <p:nvSpPr>
+            <p:cNvPr id="50" name="正方形/長方形 49"/>
+            <p:cNvSpPr/>
+            <p:nvPr/>
+          </p:nvSpPr>
+          <p:spPr>
+            <a:xfrm>
+              <a:off x="7170770" y="5798270"/>
+              <a:ext cx="2657377" cy="280601"/>
+            </a:xfrm>
+            <a:prstGeom prst="rect">
+              <a:avLst/>
+            </a:prstGeom>
+            <a:noFill/>
+            <a:ln>
+              <a:noFill/>
+            </a:ln>
+          </p:spPr>
+          <p:style>
+            <a:lnRef idx="2">
+              <a:schemeClr val="accent1">
+                <a:shade val="50000"/>
+              </a:schemeClr>
+            </a:lnRef>
+            <a:fillRef idx="1">
+              <a:schemeClr val="accent1"/>
+            </a:fillRef>
+            <a:effectRef idx="0">
+              <a:schemeClr val="accent1"/>
+            </a:effectRef>
+            <a:fontRef idx="minor">
+              <a:schemeClr val="lt1"/>
+            </a:fontRef>
+          </p:style>
+          <p:txBody>
+            <a:bodyPr rtlCol="0" anchor="t"/>
+            <a:lstStyle/>
+            <a:p>
+              <a:r>
+                <a:rPr lang="ja-JP" altLang="en-US" sz="1400" dirty="0">
+                  <a:solidFill>
+                    <a:schemeClr val="tx1"/>
+                  </a:solidFill>
+                  <a:latin typeface="メイリオ" panose="020B0604030504040204" pitchFamily="50" charset="-128"/>
+                  <a:ea typeface="メイリオ" panose="020B0604030504040204" pitchFamily="50" charset="-128"/>
+                  <a:cs typeface="メイリオ" panose="020B0604030504040204" pitchFamily="50" charset="-128"/>
+                </a:rPr>
+                <a:t>役職コード</a:t>
+              </a:r>
+              <a:endParaRPr kumimoji="1" lang="ja-JP" altLang="en-US" sz="1400" dirty="0">
+                <a:solidFill>
+                  <a:schemeClr val="tx1"/>
+                </a:solidFill>
+                <a:latin typeface="メイリオ" panose="020B0604030504040204" pitchFamily="50" charset="-128"/>
+                <a:ea typeface="メイリオ" panose="020B0604030504040204" pitchFamily="50" charset="-128"/>
+                <a:cs typeface="メイリオ" panose="020B0604030504040204" pitchFamily="50" charset="-128"/>
+              </a:endParaRPr>
+            </a:p>
+          </p:txBody>
+        </p:sp>
+        <p:sp>
+          <p:nvSpPr>
+            <p:cNvPr id="52" name="正方形/長方形 51"/>
+            <p:cNvSpPr/>
+            <p:nvPr/>
+          </p:nvSpPr>
+          <p:spPr>
+            <a:xfrm>
+              <a:off x="7171113" y="6093682"/>
+              <a:ext cx="2657377" cy="364203"/>
+            </a:xfrm>
+            <a:prstGeom prst="rect">
+              <a:avLst/>
+            </a:prstGeom>
+            <a:noFill/>
+            <a:ln>
+              <a:noFill/>
+            </a:ln>
+          </p:spPr>
+          <p:style>
+            <a:lnRef idx="2">
+              <a:schemeClr val="accent1">
+                <a:shade val="50000"/>
+              </a:schemeClr>
+            </a:lnRef>
+            <a:fillRef idx="1">
+              <a:schemeClr val="accent1"/>
+            </a:fillRef>
+            <a:effectRef idx="0">
+              <a:schemeClr val="accent1"/>
+            </a:effectRef>
+            <a:fontRef idx="minor">
+              <a:schemeClr val="lt1"/>
+            </a:fontRef>
+          </p:style>
+          <p:txBody>
+            <a:bodyPr rtlCol="0" anchor="t"/>
+            <a:lstStyle/>
+            <a:p>
+              <a:r>
+                <a:rPr lang="ja-JP" altLang="en-US" sz="1400" dirty="0">
+                  <a:solidFill>
+                    <a:schemeClr val="tx1"/>
+                  </a:solidFill>
+                  <a:latin typeface="メイリオ" panose="020B0604030504040204" pitchFamily="50" charset="-128"/>
+                  <a:ea typeface="メイリオ" panose="020B0604030504040204" pitchFamily="50" charset="-128"/>
+                  <a:cs typeface="メイリオ" panose="020B0604030504040204" pitchFamily="50" charset="-128"/>
+                </a:rPr>
+                <a:t>役職</a:t>
+              </a:r>
+              <a:r>
+                <a:rPr lang="ja-JP" altLang="en-US" sz="1400" dirty="0" smtClean="0">
+                  <a:solidFill>
+                    <a:schemeClr val="tx1"/>
+                  </a:solidFill>
+                  <a:latin typeface="メイリオ" panose="020B0604030504040204" pitchFamily="50" charset="-128"/>
+                  <a:ea typeface="メイリオ" panose="020B0604030504040204" pitchFamily="50" charset="-128"/>
+                  <a:cs typeface="メイリオ" panose="020B0604030504040204" pitchFamily="50" charset="-128"/>
+                </a:rPr>
+                <a:t>名</a:t>
+              </a:r>
+              <a:endParaRPr kumimoji="1" lang="en-US" altLang="ja-JP" sz="1400" dirty="0" smtClean="0">
+                <a:solidFill>
+                  <a:schemeClr val="tx1"/>
+                </a:solidFill>
+                <a:latin typeface="メイリオ" panose="020B0604030504040204" pitchFamily="50" charset="-128"/>
+                <a:ea typeface="メイリオ" panose="020B0604030504040204" pitchFamily="50" charset="-128"/>
+                <a:cs typeface="メイリオ" panose="020B0604030504040204" pitchFamily="50" charset="-128"/>
+              </a:endParaRPr>
+            </a:p>
+          </p:txBody>
+        </p:sp>
+      </p:grpSp>
+      <p:grpSp>
+        <p:nvGrpSpPr>
+          <p:cNvPr id="22" name="グループ化 21"/>
+          <p:cNvGrpSpPr/>
+          <p:nvPr/>
+        </p:nvGrpSpPr>
+        <p:grpSpPr>
+          <a:xfrm>
+            <a:off x="7166959" y="4074251"/>
+            <a:ext cx="3024022" cy="992568"/>
+            <a:chOff x="7166959" y="3611546"/>
+            <a:chExt cx="3024022" cy="992568"/>
+          </a:xfrm>
+        </p:grpSpPr>
+        <p:sp>
+          <p:nvSpPr>
+            <p:cNvPr id="69" name="正方形/長方形 68"/>
+            <p:cNvSpPr/>
+            <p:nvPr/>
+          </p:nvSpPr>
+          <p:spPr>
+            <a:xfrm>
+              <a:off x="7179659" y="3611546"/>
+              <a:ext cx="2657377" cy="432493"/>
+            </a:xfrm>
+            <a:prstGeom prst="rect">
+              <a:avLst/>
+            </a:prstGeom>
+            <a:noFill/>
+            <a:ln>
+              <a:noFill/>
+            </a:ln>
+          </p:spPr>
+          <p:style>
+            <a:lnRef idx="2">
+              <a:schemeClr val="accent1">
+                <a:shade val="50000"/>
+              </a:schemeClr>
+            </a:lnRef>
+            <a:fillRef idx="1">
+              <a:schemeClr val="accent1"/>
+            </a:fillRef>
+            <a:effectRef idx="0">
+              <a:schemeClr val="accent1"/>
+            </a:effectRef>
+            <a:fontRef idx="minor">
+              <a:schemeClr val="lt1"/>
+            </a:fontRef>
+          </p:style>
+          <p:txBody>
+            <a:bodyPr rtlCol="0" anchor="t"/>
+            <a:lstStyle/>
+            <a:p>
+              <a:r>
+                <a:rPr lang="ja-JP" altLang="en-US" sz="1600" dirty="0">
+                  <a:solidFill>
+                    <a:schemeClr val="tx1"/>
+                  </a:solidFill>
+                  <a:latin typeface="メイリオ" panose="020B0604030504040204" pitchFamily="50" charset="-128"/>
+                  <a:ea typeface="メイリオ" panose="020B0604030504040204" pitchFamily="50" charset="-128"/>
+                  <a:cs typeface="メイリオ" panose="020B0604030504040204" pitchFamily="50" charset="-128"/>
+                </a:rPr>
+                <a:t>課マスタ</a:t>
+              </a:r>
+              <a:endParaRPr kumimoji="1" lang="ja-JP" altLang="en-US" sz="1600" dirty="0">
+                <a:solidFill>
+                  <a:schemeClr val="tx1"/>
+                </a:solidFill>
+                <a:latin typeface="メイリオ" panose="020B0604030504040204" pitchFamily="50" charset="-128"/>
+                <a:ea typeface="メイリオ" panose="020B0604030504040204" pitchFamily="50" charset="-128"/>
+                <a:cs typeface="メイリオ" panose="020B0604030504040204" pitchFamily="50" charset="-128"/>
+              </a:endParaRPr>
+            </a:p>
+          </p:txBody>
+        </p:sp>
+        <p:sp>
+          <p:nvSpPr>
+            <p:cNvPr id="71" name="正方形/長方形 70"/>
+            <p:cNvSpPr/>
+            <p:nvPr/>
+          </p:nvSpPr>
+          <p:spPr>
+            <a:xfrm>
+              <a:off x="7166959" y="3914806"/>
+              <a:ext cx="3024021" cy="656159"/>
+            </a:xfrm>
+            <a:prstGeom prst="rect">
+              <a:avLst/>
+            </a:prstGeom>
+            <a:solidFill>
+              <a:schemeClr val="bg1"/>
+            </a:solidFill>
+            <a:ln>
+              <a:solidFill>
+                <a:schemeClr val="tx1"/>
+              </a:solidFill>
+            </a:ln>
+          </p:spPr>
+          <p:style>
+            <a:lnRef idx="2">
+              <a:schemeClr val="accent1">
+                <a:shade val="50000"/>
+              </a:schemeClr>
+            </a:lnRef>
+            <a:fillRef idx="1">
+              <a:schemeClr val="accent1"/>
+            </a:fillRef>
+            <a:effectRef idx="0">
+              <a:schemeClr val="accent1"/>
+            </a:effectRef>
+            <a:fontRef idx="minor">
+              <a:schemeClr val="lt1"/>
+            </a:fontRef>
+          </p:style>
+          <p:txBody>
+            <a:bodyPr rtlCol="0" anchor="ctr"/>
+            <a:lstStyle/>
+            <a:p>
+              <a:pPr algn="ctr"/>
+              <a:endParaRPr kumimoji="1" lang="ja-JP" altLang="en-US" sz="1400" dirty="0">
+                <a:solidFill>
+                  <a:schemeClr val="tx1"/>
+                </a:solidFill>
+                <a:latin typeface="メイリオ" panose="020B0604030504040204" pitchFamily="50" charset="-128"/>
+                <a:ea typeface="メイリオ" panose="020B0604030504040204" pitchFamily="50" charset="-128"/>
+                <a:cs typeface="メイリオ" panose="020B0604030504040204" pitchFamily="50" charset="-128"/>
+              </a:endParaRPr>
+            </a:p>
+          </p:txBody>
+        </p:sp>
+        <p:cxnSp>
+          <p:nvCxnSpPr>
+            <p:cNvPr id="73" name="直線矢印コネクタ 72"/>
+            <p:cNvCxnSpPr/>
+            <p:nvPr/>
+          </p:nvCxnSpPr>
+          <p:spPr>
+            <a:xfrm>
+              <a:off x="7166960" y="4230433"/>
+              <a:ext cx="3024021" cy="0"/>
+            </a:xfrm>
+            <a:prstGeom prst="straightConnector1">
+              <a:avLst/>
+            </a:prstGeom>
+            <a:ln w="12700">
+              <a:solidFill>
+                <a:schemeClr val="tx1"/>
+              </a:solidFill>
+              <a:prstDash val="solid"/>
+              <a:headEnd type="none" w="med" len="med"/>
+              <a:tailEnd type="none" w="med" len="med"/>
+            </a:ln>
+          </p:spPr>
+          <p:style>
+            <a:lnRef idx="1">
+              <a:schemeClr val="accent1"/>
+            </a:lnRef>
+            <a:fillRef idx="0">
+              <a:schemeClr val="accent1"/>
+            </a:fillRef>
+            <a:effectRef idx="0">
+              <a:schemeClr val="accent1"/>
+            </a:effectRef>
+            <a:fontRef idx="minor">
+              <a:schemeClr val="tx1"/>
+            </a:fontRef>
+          </p:style>
+        </p:cxnSp>
+        <p:sp>
+          <p:nvSpPr>
+            <p:cNvPr id="88" name="正方形/長方形 87"/>
+            <p:cNvSpPr/>
+            <p:nvPr/>
+          </p:nvSpPr>
+          <p:spPr>
+            <a:xfrm>
+              <a:off x="7181788" y="3922468"/>
+              <a:ext cx="2657377" cy="288166"/>
+            </a:xfrm>
+            <a:prstGeom prst="rect">
+              <a:avLst/>
+            </a:prstGeom>
+            <a:noFill/>
+            <a:ln>
+              <a:noFill/>
+            </a:ln>
+          </p:spPr>
+          <p:style>
+            <a:lnRef idx="2">
+              <a:schemeClr val="accent1">
+                <a:shade val="50000"/>
+              </a:schemeClr>
+            </a:lnRef>
+            <a:fillRef idx="1">
+              <a:schemeClr val="accent1"/>
+            </a:fillRef>
+            <a:effectRef idx="0">
+              <a:schemeClr val="accent1"/>
+            </a:effectRef>
+            <a:fontRef idx="minor">
+              <a:schemeClr val="lt1"/>
+            </a:fontRef>
+          </p:style>
+          <p:txBody>
+            <a:bodyPr rtlCol="0" anchor="t"/>
+            <a:lstStyle/>
+            <a:p>
+              <a:r>
+                <a:rPr lang="ja-JP" altLang="en-US" sz="1400" dirty="0" smtClean="0">
+                  <a:solidFill>
+                    <a:schemeClr val="tx1"/>
+                  </a:solidFill>
+                  <a:latin typeface="メイリオ" panose="020B0604030504040204" pitchFamily="50" charset="-128"/>
+                  <a:ea typeface="メイリオ" panose="020B0604030504040204" pitchFamily="50" charset="-128"/>
+                  <a:cs typeface="メイリオ" panose="020B0604030504040204" pitchFamily="50" charset="-128"/>
+                </a:rPr>
+                <a:t>課コード</a:t>
+              </a:r>
+              <a:endParaRPr kumimoji="1" lang="ja-JP" altLang="en-US" sz="1400" dirty="0">
+                <a:solidFill>
+                  <a:schemeClr val="tx1"/>
+                </a:solidFill>
+                <a:latin typeface="メイリオ" panose="020B0604030504040204" pitchFamily="50" charset="-128"/>
+                <a:ea typeface="メイリオ" panose="020B0604030504040204" pitchFamily="50" charset="-128"/>
+                <a:cs typeface="メイリオ" panose="020B0604030504040204" pitchFamily="50" charset="-128"/>
+              </a:endParaRPr>
+            </a:p>
+          </p:txBody>
+        </p:sp>
+        <p:sp>
+          <p:nvSpPr>
+            <p:cNvPr id="89" name="正方形/長方形 88"/>
+            <p:cNvSpPr/>
+            <p:nvPr/>
+          </p:nvSpPr>
+          <p:spPr>
+            <a:xfrm>
+              <a:off x="7182131" y="4239911"/>
+              <a:ext cx="2657377" cy="364203"/>
+            </a:xfrm>
+            <a:prstGeom prst="rect">
+              <a:avLst/>
+            </a:prstGeom>
+            <a:noFill/>
+            <a:ln>
+              <a:noFill/>
+            </a:ln>
+          </p:spPr>
+          <p:style>
+            <a:lnRef idx="2">
+              <a:schemeClr val="accent1">
+                <a:shade val="50000"/>
+              </a:schemeClr>
+            </a:lnRef>
+            <a:fillRef idx="1">
+              <a:schemeClr val="accent1"/>
+            </a:fillRef>
+            <a:effectRef idx="0">
+              <a:schemeClr val="accent1"/>
+            </a:effectRef>
+            <a:fontRef idx="minor">
+              <a:schemeClr val="lt1"/>
+            </a:fontRef>
+          </p:style>
+          <p:txBody>
+            <a:bodyPr rtlCol="0" anchor="t"/>
+            <a:lstStyle/>
+            <a:p>
+              <a:r>
+                <a:rPr lang="ja-JP" altLang="en-US" sz="1400" dirty="0">
+                  <a:solidFill>
+                    <a:schemeClr val="tx1"/>
+                  </a:solidFill>
+                  <a:latin typeface="メイリオ" panose="020B0604030504040204" pitchFamily="50" charset="-128"/>
+                  <a:ea typeface="メイリオ" panose="020B0604030504040204" pitchFamily="50" charset="-128"/>
+                  <a:cs typeface="メイリオ" panose="020B0604030504040204" pitchFamily="50" charset="-128"/>
+                </a:rPr>
+                <a:t>課名</a:t>
+              </a:r>
+              <a:endParaRPr kumimoji="1" lang="en-US" altLang="ja-JP" sz="1400" dirty="0" smtClean="0">
+                <a:solidFill>
+                  <a:schemeClr val="tx1"/>
+                </a:solidFill>
+                <a:latin typeface="メイリオ" panose="020B0604030504040204" pitchFamily="50" charset="-128"/>
+                <a:ea typeface="メイリオ" panose="020B0604030504040204" pitchFamily="50" charset="-128"/>
+                <a:cs typeface="メイリオ" panose="020B0604030504040204" pitchFamily="50" charset="-128"/>
+              </a:endParaRPr>
+            </a:p>
+          </p:txBody>
+        </p:sp>
+      </p:grpSp>
+      <p:grpSp>
+        <p:nvGrpSpPr>
+          <p:cNvPr id="90" name="グループ化 89"/>
+          <p:cNvGrpSpPr/>
+          <p:nvPr/>
+        </p:nvGrpSpPr>
+        <p:grpSpPr>
+          <a:xfrm>
+            <a:off x="4006009" y="3243254"/>
+            <a:ext cx="3168000" cy="409575"/>
+            <a:chOff x="4009836" y="1625011"/>
+            <a:chExt cx="3168000" cy="409575"/>
+          </a:xfrm>
+        </p:grpSpPr>
+        <p:cxnSp>
+          <p:nvCxnSpPr>
+            <p:cNvPr id="91" name="直線矢印コネクタ 90"/>
+            <p:cNvCxnSpPr/>
+            <p:nvPr/>
+          </p:nvCxnSpPr>
+          <p:spPr>
+            <a:xfrm>
+              <a:off x="6910374" y="1699498"/>
+              <a:ext cx="0" cy="281408"/>
+            </a:xfrm>
+            <a:prstGeom prst="straightConnector1">
+              <a:avLst/>
+            </a:prstGeom>
+            <a:ln w="28575">
+              <a:solidFill>
+                <a:schemeClr val="tx1"/>
+              </a:solidFill>
+              <a:prstDash val="solid"/>
+              <a:headEnd type="none" w="med" len="med"/>
+              <a:tailEnd type="none" w="med" len="med"/>
+            </a:ln>
+          </p:spPr>
+          <p:style>
+            <a:lnRef idx="1">
+              <a:schemeClr val="accent1"/>
+            </a:lnRef>
+            <a:fillRef idx="0">
+              <a:schemeClr val="accent1"/>
+            </a:fillRef>
+            <a:effectRef idx="0">
+              <a:schemeClr val="accent1"/>
+            </a:effectRef>
+            <a:fontRef idx="minor">
+              <a:schemeClr val="tx1"/>
+            </a:fontRef>
+          </p:style>
+        </p:cxnSp>
+        <p:cxnSp>
+          <p:nvCxnSpPr>
+            <p:cNvPr id="92" name="直線矢印コネクタ 91"/>
+            <p:cNvCxnSpPr/>
+            <p:nvPr/>
+          </p:nvCxnSpPr>
+          <p:spPr>
+            <a:xfrm>
+              <a:off x="4009836" y="1840202"/>
+              <a:ext cx="3168000" cy="4764"/>
+            </a:xfrm>
+            <a:prstGeom prst="straightConnector1">
+              <a:avLst/>
+            </a:prstGeom>
+            <a:ln w="28575">
+              <a:solidFill>
+                <a:schemeClr val="tx1"/>
+              </a:solidFill>
+              <a:prstDash val="solid"/>
+              <a:headEnd type="none" w="med" len="med"/>
+              <a:tailEnd type="none" w="med" len="med"/>
+            </a:ln>
+          </p:spPr>
+          <p:style>
+            <a:lnRef idx="1">
+              <a:schemeClr val="accent1"/>
+            </a:lnRef>
+            <a:fillRef idx="0">
+              <a:schemeClr val="accent1"/>
+            </a:fillRef>
+            <a:effectRef idx="0">
+              <a:schemeClr val="accent1"/>
+            </a:effectRef>
+            <a:fontRef idx="minor">
+              <a:schemeClr val="tx1"/>
+            </a:fontRef>
+          </p:style>
+        </p:cxnSp>
+        <p:cxnSp>
+          <p:nvCxnSpPr>
+            <p:cNvPr id="93" name="直線矢印コネクタ 92"/>
+            <p:cNvCxnSpPr>
+              <a:endCxn id="95" idx="2"/>
+            </p:cNvCxnSpPr>
+            <p:nvPr/>
+          </p:nvCxnSpPr>
+          <p:spPr>
+            <a:xfrm>
+              <a:off x="4009836" y="1625011"/>
+              <a:ext cx="385331" cy="215191"/>
+            </a:xfrm>
+            <a:prstGeom prst="straightConnector1">
+              <a:avLst/>
+            </a:prstGeom>
+            <a:ln w="28575">
+              <a:solidFill>
+                <a:schemeClr val="tx1"/>
+              </a:solidFill>
+              <a:prstDash val="solid"/>
+              <a:headEnd type="none" w="med" len="med"/>
+              <a:tailEnd type="none" w="med" len="med"/>
+            </a:ln>
+          </p:spPr>
+          <p:style>
+            <a:lnRef idx="1">
+              <a:schemeClr val="accent1"/>
+            </a:lnRef>
+            <a:fillRef idx="0">
+              <a:schemeClr val="accent1"/>
+            </a:fillRef>
+            <a:effectRef idx="0">
+              <a:schemeClr val="accent1"/>
+            </a:effectRef>
+            <a:fontRef idx="minor">
+              <a:schemeClr val="tx1"/>
+            </a:fontRef>
+          </p:style>
+        </p:cxnSp>
+        <p:cxnSp>
+          <p:nvCxnSpPr>
+            <p:cNvPr id="94" name="直線矢印コネクタ 93"/>
+            <p:cNvCxnSpPr>
+              <a:stCxn id="95" idx="2"/>
+            </p:cNvCxnSpPr>
+            <p:nvPr/>
+          </p:nvCxnSpPr>
+          <p:spPr>
+            <a:xfrm flipH="1">
+              <a:off x="4009836" y="1840202"/>
+              <a:ext cx="385331" cy="194384"/>
+            </a:xfrm>
+            <a:prstGeom prst="straightConnector1">
+              <a:avLst/>
+            </a:prstGeom>
+            <a:ln w="28575">
+              <a:solidFill>
+                <a:schemeClr val="tx1"/>
+              </a:solidFill>
+              <a:prstDash val="solid"/>
+              <a:headEnd type="none" w="med" len="med"/>
+              <a:tailEnd type="none" w="med" len="med"/>
+            </a:ln>
+          </p:spPr>
+          <p:style>
+            <a:lnRef idx="1">
+              <a:schemeClr val="accent1"/>
+            </a:lnRef>
+            <a:fillRef idx="0">
+              <a:schemeClr val="accent1"/>
+            </a:fillRef>
+            <a:effectRef idx="0">
+              <a:schemeClr val="accent1"/>
+            </a:effectRef>
+            <a:fontRef idx="minor">
+              <a:schemeClr val="tx1"/>
+            </a:fontRef>
+          </p:style>
+        </p:cxnSp>
+        <p:sp>
+          <p:nvSpPr>
+            <p:cNvPr id="95" name="円/楕円 94"/>
+            <p:cNvSpPr/>
+            <p:nvPr/>
+          </p:nvSpPr>
+          <p:spPr>
+            <a:xfrm>
+              <a:off x="4395167" y="1743788"/>
+              <a:ext cx="192827" cy="192827"/>
+            </a:xfrm>
+            <a:prstGeom prst="ellipse">
+              <a:avLst/>
+            </a:prstGeom>
+            <a:solidFill>
+              <a:schemeClr val="bg1"/>
+            </a:solidFill>
+            <a:ln w="28575">
+              <a:solidFill>
+                <a:schemeClr val="tx1"/>
+              </a:solidFill>
+            </a:ln>
+          </p:spPr>
+          <p:style>
+            <a:lnRef idx="2">
+              <a:schemeClr val="accent1">
+                <a:shade val="50000"/>
+              </a:schemeClr>
+            </a:lnRef>
+            <a:fillRef idx="1">
+              <a:schemeClr val="accent1"/>
+            </a:fillRef>
+            <a:effectRef idx="0">
+              <a:schemeClr val="accent1"/>
+            </a:effectRef>
+            <a:fontRef idx="minor">
+              <a:schemeClr val="lt1"/>
+            </a:fontRef>
+          </p:style>
+          <p:txBody>
+            <a:bodyPr rtlCol="0" anchor="ctr"/>
+            <a:lstStyle/>
+            <a:p>
+              <a:pPr algn="ctr"/>
+              <a:endParaRPr kumimoji="1" lang="ja-JP" altLang="en-US"/>
+            </a:p>
+          </p:txBody>
+        </p:sp>
+      </p:grpSp>
+      <p:grpSp>
+        <p:nvGrpSpPr>
+          <p:cNvPr id="96" name="グループ化 95"/>
+          <p:cNvGrpSpPr/>
+          <p:nvPr/>
+        </p:nvGrpSpPr>
+        <p:grpSpPr>
+          <a:xfrm>
+            <a:off x="4012724" y="4486551"/>
+            <a:ext cx="3168000" cy="409575"/>
+            <a:chOff x="4009836" y="1625011"/>
+            <a:chExt cx="3168000" cy="409575"/>
+          </a:xfrm>
+        </p:grpSpPr>
+        <p:cxnSp>
+          <p:nvCxnSpPr>
+            <p:cNvPr id="97" name="直線矢印コネクタ 96"/>
+            <p:cNvCxnSpPr/>
+            <p:nvPr/>
+          </p:nvCxnSpPr>
+          <p:spPr>
+            <a:xfrm>
+              <a:off x="6910374" y="1699498"/>
+              <a:ext cx="0" cy="281408"/>
+            </a:xfrm>
+            <a:prstGeom prst="straightConnector1">
+              <a:avLst/>
+            </a:prstGeom>
+            <a:ln w="28575">
+              <a:solidFill>
+                <a:schemeClr val="tx1"/>
+              </a:solidFill>
+              <a:prstDash val="solid"/>
+              <a:headEnd type="none" w="med" len="med"/>
+              <a:tailEnd type="none" w="med" len="med"/>
+            </a:ln>
+          </p:spPr>
+          <p:style>
+            <a:lnRef idx="1">
+              <a:schemeClr val="accent1"/>
+            </a:lnRef>
+            <a:fillRef idx="0">
+              <a:schemeClr val="accent1"/>
+            </a:fillRef>
+            <a:effectRef idx="0">
+              <a:schemeClr val="accent1"/>
+            </a:effectRef>
+            <a:fontRef idx="minor">
+              <a:schemeClr val="tx1"/>
+            </a:fontRef>
+          </p:style>
+        </p:cxnSp>
+        <p:cxnSp>
+          <p:nvCxnSpPr>
+            <p:cNvPr id="98" name="直線矢印コネクタ 97"/>
+            <p:cNvCxnSpPr/>
+            <p:nvPr/>
+          </p:nvCxnSpPr>
+          <p:spPr>
+            <a:xfrm>
+              <a:off x="4009836" y="1840202"/>
+              <a:ext cx="3168000" cy="4764"/>
+            </a:xfrm>
+            <a:prstGeom prst="straightConnector1">
+              <a:avLst/>
+            </a:prstGeom>
+            <a:ln w="28575">
+              <a:solidFill>
+                <a:schemeClr val="tx1"/>
+              </a:solidFill>
+              <a:prstDash val="solid"/>
+              <a:headEnd type="none" w="med" len="med"/>
+              <a:tailEnd type="none" w="med" len="med"/>
+            </a:ln>
+          </p:spPr>
+          <p:style>
+            <a:lnRef idx="1">
+              <a:schemeClr val="accent1"/>
+            </a:lnRef>
+            <a:fillRef idx="0">
+              <a:schemeClr val="accent1"/>
+            </a:fillRef>
+            <a:effectRef idx="0">
+              <a:schemeClr val="accent1"/>
+            </a:effectRef>
+            <a:fontRef idx="minor">
+              <a:schemeClr val="tx1"/>
+            </a:fontRef>
+          </p:style>
+        </p:cxnSp>
+        <p:cxnSp>
+          <p:nvCxnSpPr>
+            <p:cNvPr id="99" name="直線矢印コネクタ 98"/>
+            <p:cNvCxnSpPr>
+              <a:endCxn id="101" idx="2"/>
+            </p:cNvCxnSpPr>
+            <p:nvPr/>
+          </p:nvCxnSpPr>
+          <p:spPr>
+            <a:xfrm>
+              <a:off x="4009836" y="1625011"/>
+              <a:ext cx="385331" cy="215191"/>
+            </a:xfrm>
+            <a:prstGeom prst="straightConnector1">
+              <a:avLst/>
+            </a:prstGeom>
+            <a:ln w="28575">
+              <a:solidFill>
+                <a:schemeClr val="tx1"/>
+              </a:solidFill>
+              <a:prstDash val="solid"/>
+              <a:headEnd type="none" w="med" len="med"/>
+              <a:tailEnd type="none" w="med" len="med"/>
+            </a:ln>
+          </p:spPr>
+          <p:style>
+            <a:lnRef idx="1">
+              <a:schemeClr val="accent1"/>
+            </a:lnRef>
+            <a:fillRef idx="0">
+              <a:schemeClr val="accent1"/>
+            </a:fillRef>
+            <a:effectRef idx="0">
+              <a:schemeClr val="accent1"/>
+            </a:effectRef>
+            <a:fontRef idx="minor">
+              <a:schemeClr val="tx1"/>
+            </a:fontRef>
+          </p:style>
+        </p:cxnSp>
+        <p:cxnSp>
+          <p:nvCxnSpPr>
+            <p:cNvPr id="100" name="直線矢印コネクタ 99"/>
+            <p:cNvCxnSpPr>
+              <a:stCxn id="101" idx="2"/>
+            </p:cNvCxnSpPr>
+            <p:nvPr/>
+          </p:nvCxnSpPr>
+          <p:spPr>
+            <a:xfrm flipH="1">
+              <a:off x="4009836" y="1840202"/>
+              <a:ext cx="385331" cy="194384"/>
+            </a:xfrm>
+            <a:prstGeom prst="straightConnector1">
+              <a:avLst/>
+            </a:prstGeom>
+            <a:ln w="28575">
+              <a:solidFill>
+                <a:schemeClr val="tx1"/>
+              </a:solidFill>
+              <a:prstDash val="solid"/>
+              <a:headEnd type="none" w="med" len="med"/>
+              <a:tailEnd type="none" w="med" len="med"/>
+            </a:ln>
+          </p:spPr>
+          <p:style>
+            <a:lnRef idx="1">
+              <a:schemeClr val="accent1"/>
+            </a:lnRef>
+            <a:fillRef idx="0">
+              <a:schemeClr val="accent1"/>
+            </a:fillRef>
+            <a:effectRef idx="0">
+              <a:schemeClr val="accent1"/>
+            </a:effectRef>
+            <a:fontRef idx="minor">
+              <a:schemeClr val="tx1"/>
+            </a:fontRef>
+          </p:style>
+        </p:cxnSp>
+        <p:sp>
+          <p:nvSpPr>
+            <p:cNvPr id="101" name="円/楕円 100"/>
+            <p:cNvSpPr/>
+            <p:nvPr/>
+          </p:nvSpPr>
+          <p:spPr>
+            <a:xfrm>
+              <a:off x="4395167" y="1743788"/>
+              <a:ext cx="192827" cy="192827"/>
+            </a:xfrm>
+            <a:prstGeom prst="ellipse">
+              <a:avLst/>
+            </a:prstGeom>
+            <a:solidFill>
+              <a:schemeClr val="bg1"/>
+            </a:solidFill>
+            <a:ln w="28575">
+              <a:solidFill>
+                <a:schemeClr val="tx1"/>
+              </a:solidFill>
+            </a:ln>
+          </p:spPr>
+          <p:style>
+            <a:lnRef idx="2">
+              <a:schemeClr val="accent1">
+                <a:shade val="50000"/>
+              </a:schemeClr>
+            </a:lnRef>
+            <a:fillRef idx="1">
+              <a:schemeClr val="accent1"/>
+            </a:fillRef>
+            <a:effectRef idx="0">
+              <a:schemeClr val="accent1"/>
+            </a:effectRef>
+            <a:fontRef idx="minor">
+              <a:schemeClr val="lt1"/>
+            </a:fontRef>
+          </p:style>
+          <p:txBody>
+            <a:bodyPr rtlCol="0" anchor="ctr"/>
+            <a:lstStyle/>
+            <a:p>
+              <a:pPr algn="ctr"/>
+              <a:endParaRPr kumimoji="1" lang="ja-JP" altLang="en-US"/>
+            </a:p>
+          </p:txBody>
+        </p:sp>
+      </p:grpSp>
+      <p:grpSp>
+        <p:nvGrpSpPr>
+          <p:cNvPr id="102" name="グループ化 101"/>
+          <p:cNvGrpSpPr/>
+          <p:nvPr/>
+        </p:nvGrpSpPr>
+        <p:grpSpPr>
+          <a:xfrm>
+            <a:off x="4002769" y="5631710"/>
+            <a:ext cx="3168000" cy="409575"/>
+            <a:chOff x="4009836" y="1625011"/>
+            <a:chExt cx="3168000" cy="409575"/>
+          </a:xfrm>
+        </p:grpSpPr>
+        <p:cxnSp>
+          <p:nvCxnSpPr>
+            <p:cNvPr id="103" name="直線矢印コネクタ 102"/>
+            <p:cNvCxnSpPr/>
+            <p:nvPr/>
+          </p:nvCxnSpPr>
+          <p:spPr>
+            <a:xfrm>
+              <a:off x="6910374" y="1699498"/>
+              <a:ext cx="0" cy="281408"/>
+            </a:xfrm>
+            <a:prstGeom prst="straightConnector1">
+              <a:avLst/>
+            </a:prstGeom>
+            <a:ln w="28575">
+              <a:solidFill>
+                <a:schemeClr val="tx1"/>
+              </a:solidFill>
+              <a:prstDash val="solid"/>
+              <a:headEnd type="none" w="med" len="med"/>
+              <a:tailEnd type="none" w="med" len="med"/>
+            </a:ln>
+          </p:spPr>
+          <p:style>
+            <a:lnRef idx="1">
+              <a:schemeClr val="accent1"/>
+            </a:lnRef>
+            <a:fillRef idx="0">
+              <a:schemeClr val="accent1"/>
+            </a:fillRef>
+            <a:effectRef idx="0">
+              <a:schemeClr val="accent1"/>
+            </a:effectRef>
+            <a:fontRef idx="minor">
+              <a:schemeClr val="tx1"/>
+            </a:fontRef>
+          </p:style>
+        </p:cxnSp>
+        <p:cxnSp>
+          <p:nvCxnSpPr>
+            <p:cNvPr id="104" name="直線矢印コネクタ 103"/>
+            <p:cNvCxnSpPr/>
+            <p:nvPr/>
+          </p:nvCxnSpPr>
+          <p:spPr>
+            <a:xfrm>
+              <a:off x="4009836" y="1840202"/>
+              <a:ext cx="3168000" cy="4764"/>
+            </a:xfrm>
+            <a:prstGeom prst="straightConnector1">
+              <a:avLst/>
+            </a:prstGeom>
+            <a:ln w="28575">
+              <a:solidFill>
+                <a:schemeClr val="tx1"/>
+              </a:solidFill>
+              <a:prstDash val="solid"/>
+              <a:headEnd type="none" w="med" len="med"/>
+              <a:tailEnd type="none" w="med" len="med"/>
+            </a:ln>
+          </p:spPr>
+          <p:style>
+            <a:lnRef idx="1">
+              <a:schemeClr val="accent1"/>
+            </a:lnRef>
+            <a:fillRef idx="0">
+              <a:schemeClr val="accent1"/>
+            </a:fillRef>
+            <a:effectRef idx="0">
+              <a:schemeClr val="accent1"/>
+            </a:effectRef>
+            <a:fontRef idx="minor">
+              <a:schemeClr val="tx1"/>
+            </a:fontRef>
+          </p:style>
+        </p:cxnSp>
+        <p:cxnSp>
+          <p:nvCxnSpPr>
+            <p:cNvPr id="105" name="直線矢印コネクタ 104"/>
+            <p:cNvCxnSpPr>
+              <a:endCxn id="107" idx="2"/>
+            </p:cNvCxnSpPr>
+            <p:nvPr/>
+          </p:nvCxnSpPr>
+          <p:spPr>
+            <a:xfrm>
+              <a:off x="4009836" y="1625011"/>
+              <a:ext cx="385331" cy="215191"/>
+            </a:xfrm>
+            <a:prstGeom prst="straightConnector1">
+              <a:avLst/>
+            </a:prstGeom>
+            <a:ln w="28575">
+              <a:solidFill>
+                <a:schemeClr val="tx1"/>
+              </a:solidFill>
+              <a:prstDash val="solid"/>
+              <a:headEnd type="none" w="med" len="med"/>
+              <a:tailEnd type="none" w="med" len="med"/>
+            </a:ln>
+          </p:spPr>
+          <p:style>
+            <a:lnRef idx="1">
+              <a:schemeClr val="accent1"/>
+            </a:lnRef>
+            <a:fillRef idx="0">
+              <a:schemeClr val="accent1"/>
+            </a:fillRef>
+            <a:effectRef idx="0">
+              <a:schemeClr val="accent1"/>
+            </a:effectRef>
+            <a:fontRef idx="minor">
+              <a:schemeClr val="tx1"/>
+            </a:fontRef>
+          </p:style>
+        </p:cxnSp>
+        <p:cxnSp>
+          <p:nvCxnSpPr>
+            <p:cNvPr id="106" name="直線矢印コネクタ 105"/>
+            <p:cNvCxnSpPr>
+              <a:stCxn id="107" idx="2"/>
+            </p:cNvCxnSpPr>
+            <p:nvPr/>
+          </p:nvCxnSpPr>
+          <p:spPr>
+            <a:xfrm flipH="1">
+              <a:off x="4009836" y="1840202"/>
+              <a:ext cx="385331" cy="194384"/>
+            </a:xfrm>
+            <a:prstGeom prst="straightConnector1">
+              <a:avLst/>
+            </a:prstGeom>
+            <a:ln w="28575">
+              <a:solidFill>
+                <a:schemeClr val="tx1"/>
+              </a:solidFill>
+              <a:prstDash val="solid"/>
+              <a:headEnd type="none" w="med" len="med"/>
+              <a:tailEnd type="none" w="med" len="med"/>
+            </a:ln>
+          </p:spPr>
+          <p:style>
+            <a:lnRef idx="1">
+              <a:schemeClr val="accent1"/>
+            </a:lnRef>
+            <a:fillRef idx="0">
+              <a:schemeClr val="accent1"/>
+            </a:fillRef>
+            <a:effectRef idx="0">
+              <a:schemeClr val="accent1"/>
+            </a:effectRef>
+            <a:fontRef idx="minor">
+              <a:schemeClr val="tx1"/>
+            </a:fontRef>
+          </p:style>
+        </p:cxnSp>
+        <p:sp>
+          <p:nvSpPr>
+            <p:cNvPr id="107" name="円/楕円 106"/>
+            <p:cNvSpPr/>
+            <p:nvPr/>
+          </p:nvSpPr>
+          <p:spPr>
+            <a:xfrm>
+              <a:off x="4395167" y="1743788"/>
+              <a:ext cx="192827" cy="192827"/>
+            </a:xfrm>
+            <a:prstGeom prst="ellipse">
+              <a:avLst/>
+            </a:prstGeom>
+            <a:solidFill>
+              <a:schemeClr val="bg1"/>
+            </a:solidFill>
+            <a:ln w="28575">
+              <a:solidFill>
+                <a:schemeClr val="tx1"/>
+              </a:solidFill>
+            </a:ln>
+          </p:spPr>
+          <p:style>
+            <a:lnRef idx="2">
+              <a:schemeClr val="accent1">
+                <a:shade val="50000"/>
+              </a:schemeClr>
+            </a:lnRef>
+            <a:fillRef idx="1">
+              <a:schemeClr val="accent1"/>
+            </a:fillRef>
+            <a:effectRef idx="0">
+              <a:schemeClr val="accent1"/>
+            </a:effectRef>
+            <a:fontRef idx="minor">
+              <a:schemeClr val="lt1"/>
+            </a:fontRef>
+          </p:style>
+          <p:txBody>
+            <a:bodyPr rtlCol="0" anchor="ctr"/>
+            <a:lstStyle/>
+            <a:p>
+              <a:pPr algn="ctr"/>
+              <a:endParaRPr kumimoji="1" lang="ja-JP" altLang="en-US"/>
+            </a:p>
+          </p:txBody>
+        </p:sp>
       </p:grpSp>
       <p:sp>
         <p:nvSpPr>
-          <p:cNvPr id="64" name="正方形/長方形 63"/>
+          <p:cNvPr id="108" name="正方形/長方形 107"/>
           <p:cNvSpPr/>
           <p:nvPr/>
         </p:nvSpPr>
         <p:spPr>
           <a:xfrm>
-            <a:off x="7307804" y="2029198"/>
-            <a:ext cx="2657377" cy="432493"/>
+            <a:off x="10116782" y="363073"/>
+            <a:ext cx="1875165" cy="213497"/>
           </a:xfrm>
           <a:prstGeom prst="rect">
             <a:avLst/>
@@ -4521,8 +6452,9 @@
           <a:bodyPr rtlCol="0" anchor="t"/>
           <a:lstStyle/>
           <a:p>
-            <a:r>
-              <a:rPr kumimoji="1" lang="ja-JP" altLang="en-US" sz="1600" dirty="0" smtClean="0">
+            <a:pPr algn="ctr"/>
+            <a:r>
+              <a:rPr lang="en-US" altLang="ja-JP" sz="1100" dirty="0" smtClean="0">
                 <a:solidFill>
                   <a:schemeClr val="tx1"/>
                 </a:solidFill>
@@ -4530,9 +6462,9 @@
                 <a:ea typeface="メイリオ" panose="020B0604030504040204" pitchFamily="50" charset="-128"/>
                 <a:cs typeface="メイリオ" panose="020B0604030504040204" pitchFamily="50" charset="-128"/>
               </a:rPr>
-              <a:t>ユーザーマスタ</a:t>
-            </a:r>
-            <a:endParaRPr kumimoji="1" lang="ja-JP" altLang="en-US" sz="1600" dirty="0">
+              <a:t>2017/10/25</a:t>
+            </a:r>
+            <a:endParaRPr kumimoji="1" lang="ja-JP" altLang="en-US" sz="1100" dirty="0">
               <a:solidFill>
                 <a:schemeClr val="tx1"/>
               </a:solidFill>
@@ -4543,364 +6475,225 @@
           </a:p>
         </p:txBody>
       </p:sp>
-      <p:sp>
-        <p:nvSpPr>
-          <p:cNvPr id="66" name="正方形/長方形 65"/>
-          <p:cNvSpPr/>
+      <p:grpSp>
+        <p:nvGrpSpPr>
+          <p:cNvPr id="26" name="グループ化 25"/>
+          <p:cNvGrpSpPr/>
           <p:nvPr/>
-        </p:nvSpPr>
-        <p:spPr>
+        </p:nvGrpSpPr>
+        <p:grpSpPr>
           <a:xfrm>
-            <a:off x="7320950" y="2439272"/>
-            <a:ext cx="2657377" cy="432493"/>
+            <a:off x="8457034" y="1826323"/>
+            <a:ext cx="409576" cy="1296001"/>
+            <a:chOff x="8457034" y="1826323"/>
+            <a:chExt cx="409576" cy="1296001"/>
           </a:xfrm>
-          <a:prstGeom prst="rect">
-            <a:avLst/>
-          </a:prstGeom>
-          <a:noFill/>
-          <a:ln>
-            <a:noFill/>
-          </a:ln>
-        </p:spPr>
-        <p:style>
-          <a:lnRef idx="2">
-            <a:schemeClr val="accent1">
-              <a:shade val="50000"/>
-            </a:schemeClr>
-          </a:lnRef>
-          <a:fillRef idx="1">
-            <a:schemeClr val="accent1"/>
-          </a:fillRef>
-          <a:effectRef idx="0">
-            <a:schemeClr val="accent1"/>
-          </a:effectRef>
-          <a:fontRef idx="minor">
-            <a:schemeClr val="lt1"/>
-          </a:fontRef>
-        </p:style>
-        <p:txBody>
-          <a:bodyPr rtlCol="0" anchor="t"/>
-          <a:lstStyle/>
-          <a:p>
-            <a:r>
-              <a:rPr kumimoji="1" lang="ja-JP" altLang="en-US" sz="1400" dirty="0" smtClean="0">
-                <a:solidFill>
-                  <a:schemeClr val="tx1"/>
-                </a:solidFill>
-                <a:latin typeface="メイリオ" panose="020B0604030504040204" pitchFamily="50" charset="-128"/>
-                <a:ea typeface="メイリオ" panose="020B0604030504040204" pitchFamily="50" charset="-128"/>
-                <a:cs typeface="メイリオ" panose="020B0604030504040204" pitchFamily="50" charset="-128"/>
-              </a:rPr>
-              <a:t>ユーザー</a:t>
-            </a:r>
-            <a:r>
-              <a:rPr kumimoji="1" lang="en-US" altLang="ja-JP" sz="1400" dirty="0" smtClean="0">
-                <a:solidFill>
-                  <a:schemeClr val="tx1"/>
-                </a:solidFill>
-                <a:latin typeface="メイリオ" panose="020B0604030504040204" pitchFamily="50" charset="-128"/>
-                <a:ea typeface="メイリオ" panose="020B0604030504040204" pitchFamily="50" charset="-128"/>
-                <a:cs typeface="メイリオ" panose="020B0604030504040204" pitchFamily="50" charset="-128"/>
-              </a:rPr>
-              <a:t>ID</a:t>
-            </a:r>
-            <a:endParaRPr kumimoji="1" lang="ja-JP" altLang="en-US" sz="1400" dirty="0">
+        </p:grpSpPr>
+        <p:cxnSp>
+          <p:nvCxnSpPr>
+            <p:cNvPr id="110" name="直線矢印コネクタ 109"/>
+            <p:cNvCxnSpPr/>
+            <p:nvPr/>
+          </p:nvCxnSpPr>
+          <p:spPr>
+            <a:xfrm rot="16200000">
+              <a:off x="8672223" y="1898862"/>
+              <a:ext cx="0" cy="281408"/>
+            </a:xfrm>
+            <a:prstGeom prst="straightConnector1">
+              <a:avLst/>
+            </a:prstGeom>
+            <a:ln w="28575">
               <a:solidFill>
                 <a:schemeClr val="tx1"/>
               </a:solidFill>
-              <a:latin typeface="メイリオ" panose="020B0604030504040204" pitchFamily="50" charset="-128"/>
-              <a:ea typeface="メイリオ" panose="020B0604030504040204" pitchFamily="50" charset="-128"/>
-              <a:cs typeface="メイリオ" panose="020B0604030504040204" pitchFamily="50" charset="-128"/>
-            </a:endParaRPr>
-          </a:p>
-        </p:txBody>
-      </p:sp>
-      <p:sp>
-        <p:nvSpPr>
-          <p:cNvPr id="68" name="正方形/長方形 67"/>
-          <p:cNvSpPr/>
-          <p:nvPr/>
-        </p:nvSpPr>
-        <p:spPr>
-          <a:xfrm>
-            <a:off x="7321293" y="2932991"/>
-            <a:ext cx="2657377" cy="1571085"/>
-          </a:xfrm>
-          <a:prstGeom prst="rect">
-            <a:avLst/>
-          </a:prstGeom>
-          <a:noFill/>
-          <a:ln>
-            <a:noFill/>
-          </a:ln>
-        </p:spPr>
-        <p:style>
-          <a:lnRef idx="2">
-            <a:schemeClr val="accent1">
-              <a:shade val="50000"/>
-            </a:schemeClr>
-          </a:lnRef>
-          <a:fillRef idx="1">
-            <a:schemeClr val="accent1"/>
-          </a:fillRef>
-          <a:effectRef idx="0">
-            <a:schemeClr val="accent1"/>
-          </a:effectRef>
-          <a:fontRef idx="minor">
-            <a:schemeClr val="lt1"/>
-          </a:fontRef>
-        </p:style>
-        <p:txBody>
-          <a:bodyPr rtlCol="0" anchor="t"/>
-          <a:lstStyle/>
-          <a:p>
-            <a:r>
-              <a:rPr lang="ja-JP" altLang="en-US" sz="1400" dirty="0">
-                <a:solidFill>
-                  <a:schemeClr val="tx1"/>
-                </a:solidFill>
-                <a:latin typeface="メイリオ" panose="020B0604030504040204" pitchFamily="50" charset="-128"/>
-                <a:ea typeface="メイリオ" panose="020B0604030504040204" pitchFamily="50" charset="-128"/>
-                <a:cs typeface="メイリオ" panose="020B0604030504040204" pitchFamily="50" charset="-128"/>
-              </a:rPr>
-              <a:t>名前</a:t>
-            </a:r>
-            <a:endParaRPr lang="en-US" altLang="ja-JP" sz="1400" dirty="0">
+              <a:prstDash val="solid"/>
+              <a:headEnd type="none" w="med" len="med"/>
+              <a:tailEnd type="none" w="med" len="med"/>
+            </a:ln>
+          </p:spPr>
+          <p:style>
+            <a:lnRef idx="1">
+              <a:schemeClr val="accent1"/>
+            </a:lnRef>
+            <a:fillRef idx="0">
+              <a:schemeClr val="accent1"/>
+            </a:fillRef>
+            <a:effectRef idx="0">
+              <a:schemeClr val="accent1"/>
+            </a:effectRef>
+            <a:fontRef idx="minor">
+              <a:schemeClr val="tx1"/>
+            </a:fontRef>
+          </p:style>
+        </p:cxnSp>
+        <p:cxnSp>
+          <p:nvCxnSpPr>
+            <p:cNvPr id="111" name="直線矢印コネクタ 110"/>
+            <p:cNvCxnSpPr/>
+            <p:nvPr/>
+          </p:nvCxnSpPr>
+          <p:spPr>
+            <a:xfrm rot="16200000">
+              <a:off x="8026607" y="2471941"/>
+              <a:ext cx="1296000" cy="4764"/>
+            </a:xfrm>
+            <a:prstGeom prst="straightConnector1">
+              <a:avLst/>
+            </a:prstGeom>
+            <a:ln w="28575">
               <a:solidFill>
                 <a:schemeClr val="tx1"/>
               </a:solidFill>
-              <a:latin typeface="メイリオ" panose="020B0604030504040204" pitchFamily="50" charset="-128"/>
-              <a:ea typeface="メイリオ" panose="020B0604030504040204" pitchFamily="50" charset="-128"/>
-              <a:cs typeface="メイリオ" panose="020B0604030504040204" pitchFamily="50" charset="-128"/>
-            </a:endParaRPr>
-          </a:p>
-          <a:p>
-            <a:r>
-              <a:rPr kumimoji="1" lang="ja-JP" altLang="en-US" sz="1400" dirty="0" smtClean="0">
-                <a:solidFill>
-                  <a:schemeClr val="tx1"/>
-                </a:solidFill>
-                <a:latin typeface="メイリオ" panose="020B0604030504040204" pitchFamily="50" charset="-128"/>
-                <a:ea typeface="メイリオ" panose="020B0604030504040204" pitchFamily="50" charset="-128"/>
-                <a:cs typeface="メイリオ" panose="020B0604030504040204" pitchFamily="50" charset="-128"/>
-              </a:rPr>
-              <a:t>パスワード</a:t>
-            </a:r>
-            <a:endParaRPr kumimoji="1" lang="en-US" altLang="ja-JP" sz="1400" dirty="0" smtClean="0">
+              <a:prstDash val="solid"/>
+              <a:headEnd type="none" w="med" len="med"/>
+              <a:tailEnd type="none" w="med" len="med"/>
+            </a:ln>
+          </p:spPr>
+          <p:style>
+            <a:lnRef idx="1">
+              <a:schemeClr val="accent1"/>
+            </a:lnRef>
+            <a:fillRef idx="0">
+              <a:schemeClr val="accent1"/>
+            </a:fillRef>
+            <a:effectRef idx="0">
+              <a:schemeClr val="accent1"/>
+            </a:effectRef>
+            <a:fontRef idx="minor">
+              <a:schemeClr val="tx1"/>
+            </a:fontRef>
+          </p:style>
+        </p:cxnSp>
+        <p:cxnSp>
+          <p:nvCxnSpPr>
+            <p:cNvPr id="112" name="直線矢印コネクタ 111"/>
+            <p:cNvCxnSpPr>
+              <a:endCxn id="114" idx="2"/>
+            </p:cNvCxnSpPr>
+            <p:nvPr/>
+          </p:nvCxnSpPr>
+          <p:spPr>
+            <a:xfrm rot="16200000">
+              <a:off x="8371964" y="2822063"/>
+              <a:ext cx="385331" cy="215191"/>
+            </a:xfrm>
+            <a:prstGeom prst="straightConnector1">
+              <a:avLst/>
+            </a:prstGeom>
+            <a:ln w="28575">
               <a:solidFill>
                 <a:schemeClr val="tx1"/>
               </a:solidFill>
-              <a:latin typeface="メイリオ" panose="020B0604030504040204" pitchFamily="50" charset="-128"/>
-              <a:ea typeface="メイリオ" panose="020B0604030504040204" pitchFamily="50" charset="-128"/>
-              <a:cs typeface="メイリオ" panose="020B0604030504040204" pitchFamily="50" charset="-128"/>
-            </a:endParaRPr>
-          </a:p>
-        </p:txBody>
-      </p:sp>
-      <p:cxnSp>
-        <p:nvCxnSpPr>
-          <p:cNvPr id="70" name="直線矢印コネクタ 69"/>
-          <p:cNvCxnSpPr/>
-          <p:nvPr/>
-        </p:nvCxnSpPr>
-        <p:spPr>
-          <a:xfrm>
-            <a:off x="4752339" y="3606091"/>
-            <a:ext cx="2549668" cy="4764"/>
-          </a:xfrm>
-          <a:prstGeom prst="straightConnector1">
-            <a:avLst/>
-          </a:prstGeom>
-          <a:ln w="28575">
+              <a:prstDash val="solid"/>
+              <a:headEnd type="none" w="med" len="med"/>
+              <a:tailEnd type="none" w="med" len="med"/>
+            </a:ln>
+          </p:spPr>
+          <p:style>
+            <a:lnRef idx="1">
+              <a:schemeClr val="accent1"/>
+            </a:lnRef>
+            <a:fillRef idx="0">
+              <a:schemeClr val="accent1"/>
+            </a:fillRef>
+            <a:effectRef idx="0">
+              <a:schemeClr val="accent1"/>
+            </a:effectRef>
+            <a:fontRef idx="minor">
+              <a:schemeClr val="tx1"/>
+            </a:fontRef>
+          </p:style>
+        </p:cxnSp>
+        <p:cxnSp>
+          <p:nvCxnSpPr>
+            <p:cNvPr id="113" name="直線矢印コネクタ 112"/>
+            <p:cNvCxnSpPr>
+              <a:stCxn id="114" idx="2"/>
+            </p:cNvCxnSpPr>
+            <p:nvPr/>
+          </p:nvCxnSpPr>
+          <p:spPr>
+            <a:xfrm rot="16200000" flipH="1">
+              <a:off x="8576752" y="2832466"/>
+              <a:ext cx="385331" cy="194384"/>
+            </a:xfrm>
+            <a:prstGeom prst="straightConnector1">
+              <a:avLst/>
+            </a:prstGeom>
+            <a:ln w="28575">
+              <a:solidFill>
+                <a:schemeClr val="tx1"/>
+              </a:solidFill>
+              <a:prstDash val="solid"/>
+              <a:headEnd type="none" w="med" len="med"/>
+              <a:tailEnd type="none" w="med" len="med"/>
+            </a:ln>
+          </p:spPr>
+          <p:style>
+            <a:lnRef idx="1">
+              <a:schemeClr val="accent1"/>
+            </a:lnRef>
+            <a:fillRef idx="0">
+              <a:schemeClr val="accent1"/>
+            </a:fillRef>
+            <a:effectRef idx="0">
+              <a:schemeClr val="accent1"/>
+            </a:effectRef>
+            <a:fontRef idx="minor">
+              <a:schemeClr val="tx1"/>
+            </a:fontRef>
+          </p:style>
+        </p:cxnSp>
+        <p:sp>
+          <p:nvSpPr>
+            <p:cNvPr id="114" name="円/楕円 113"/>
+            <p:cNvSpPr/>
+            <p:nvPr/>
+          </p:nvSpPr>
+          <p:spPr>
+            <a:xfrm rot="16200000">
+              <a:off x="8575812" y="2544166"/>
+              <a:ext cx="192827" cy="192827"/>
+            </a:xfrm>
+            <a:prstGeom prst="ellipse">
+              <a:avLst/>
+            </a:prstGeom>
             <a:solidFill>
-              <a:schemeClr val="tx1"/>
+              <a:schemeClr val="bg1"/>
             </a:solidFill>
-            <a:prstDash val="solid"/>
-            <a:headEnd type="none" w="med" len="med"/>
-            <a:tailEnd type="none" w="med" len="med"/>
-          </a:ln>
-        </p:spPr>
-        <p:style>
-          <a:lnRef idx="1">
-            <a:schemeClr val="accent1"/>
-          </a:lnRef>
-          <a:fillRef idx="0">
-            <a:schemeClr val="accent1"/>
-          </a:fillRef>
-          <a:effectRef idx="0">
-            <a:schemeClr val="accent1"/>
-          </a:effectRef>
-          <a:fontRef idx="minor">
-            <a:schemeClr val="tx1"/>
-          </a:fontRef>
-        </p:style>
-      </p:cxnSp>
-      <p:cxnSp>
-        <p:nvCxnSpPr>
-          <p:cNvPr id="72" name="直線矢印コネクタ 71"/>
-          <p:cNvCxnSpPr>
-            <a:endCxn id="40" idx="2"/>
-          </p:cNvCxnSpPr>
-          <p:nvPr/>
-        </p:nvCxnSpPr>
-        <p:spPr>
-          <a:xfrm>
-            <a:off x="4752339" y="3390900"/>
-            <a:ext cx="385331" cy="215191"/>
-          </a:xfrm>
-          <a:prstGeom prst="straightConnector1">
-            <a:avLst/>
-          </a:prstGeom>
-          <a:ln w="28575">
-            <a:solidFill>
-              <a:schemeClr val="tx1"/>
-            </a:solidFill>
-            <a:prstDash val="solid"/>
-            <a:headEnd type="none" w="med" len="med"/>
-            <a:tailEnd type="none" w="med" len="med"/>
-          </a:ln>
-        </p:spPr>
-        <p:style>
-          <a:lnRef idx="1">
-            <a:schemeClr val="accent1"/>
-          </a:lnRef>
-          <a:fillRef idx="0">
-            <a:schemeClr val="accent1"/>
-          </a:fillRef>
-          <a:effectRef idx="0">
-            <a:schemeClr val="accent1"/>
-          </a:effectRef>
-          <a:fontRef idx="minor">
-            <a:schemeClr val="tx1"/>
-          </a:fontRef>
-        </p:style>
-      </p:cxnSp>
-      <p:cxnSp>
-        <p:nvCxnSpPr>
-          <p:cNvPr id="74" name="直線矢印コネクタ 73"/>
-          <p:cNvCxnSpPr>
-            <a:stCxn id="40" idx="2"/>
-          </p:cNvCxnSpPr>
-          <p:nvPr/>
-        </p:nvCxnSpPr>
-        <p:spPr>
-          <a:xfrm flipH="1">
-            <a:off x="4752339" y="3606091"/>
-            <a:ext cx="385331" cy="194384"/>
-          </a:xfrm>
-          <a:prstGeom prst="straightConnector1">
-            <a:avLst/>
-          </a:prstGeom>
-          <a:ln w="28575">
-            <a:solidFill>
-              <a:schemeClr val="tx1"/>
-            </a:solidFill>
-            <a:prstDash val="solid"/>
-            <a:headEnd type="none" w="med" len="med"/>
-            <a:tailEnd type="none" w="med" len="med"/>
-          </a:ln>
-        </p:spPr>
-        <p:style>
-          <a:lnRef idx="1">
-            <a:schemeClr val="accent1"/>
-          </a:lnRef>
-          <a:fillRef idx="0">
-            <a:schemeClr val="accent1"/>
-          </a:fillRef>
-          <a:effectRef idx="0">
-            <a:schemeClr val="accent1"/>
-          </a:effectRef>
-          <a:fontRef idx="minor">
-            <a:schemeClr val="tx1"/>
-          </a:fontRef>
-        </p:style>
-      </p:cxnSp>
-      <p:cxnSp>
-        <p:nvCxnSpPr>
-          <p:cNvPr id="87" name="直線矢印コネクタ 86"/>
-          <p:cNvCxnSpPr/>
-          <p:nvPr/>
-        </p:nvCxnSpPr>
-        <p:spPr>
-          <a:xfrm>
-            <a:off x="7139242" y="3468586"/>
-            <a:ext cx="0" cy="281408"/>
-          </a:xfrm>
-          <a:prstGeom prst="straightConnector1">
-            <a:avLst/>
-          </a:prstGeom>
-          <a:ln w="28575">
-            <a:solidFill>
-              <a:schemeClr val="tx1"/>
-            </a:solidFill>
-            <a:prstDash val="solid"/>
-            <a:headEnd type="none" w="med" len="med"/>
-            <a:tailEnd type="none" w="med" len="med"/>
-          </a:ln>
-        </p:spPr>
-        <p:style>
-          <a:lnRef idx="1">
-            <a:schemeClr val="accent1"/>
-          </a:lnRef>
-          <a:fillRef idx="0">
-            <a:schemeClr val="accent1"/>
-          </a:fillRef>
-          <a:effectRef idx="0">
-            <a:schemeClr val="accent1"/>
-          </a:effectRef>
-          <a:fontRef idx="minor">
-            <a:schemeClr val="tx1"/>
-          </a:fontRef>
-        </p:style>
-      </p:cxnSp>
-      <p:sp>
-        <p:nvSpPr>
-          <p:cNvPr id="40" name="円/楕円 39"/>
-          <p:cNvSpPr/>
-          <p:nvPr/>
-        </p:nvSpPr>
-        <p:spPr>
-          <a:xfrm>
-            <a:off x="5137670" y="3509677"/>
-            <a:ext cx="192827" cy="192827"/>
-          </a:xfrm>
-          <a:prstGeom prst="ellipse">
-            <a:avLst/>
-          </a:prstGeom>
-          <a:solidFill>
-            <a:schemeClr val="bg1"/>
-          </a:solidFill>
-          <a:ln w="28575">
-            <a:solidFill>
-              <a:schemeClr val="tx1"/>
-            </a:solidFill>
-          </a:ln>
-        </p:spPr>
-        <p:style>
-          <a:lnRef idx="2">
-            <a:schemeClr val="accent1">
-              <a:shade val="50000"/>
-            </a:schemeClr>
-          </a:lnRef>
-          <a:fillRef idx="1">
-            <a:schemeClr val="accent1"/>
-          </a:fillRef>
-          <a:effectRef idx="0">
-            <a:schemeClr val="accent1"/>
-          </a:effectRef>
-          <a:fontRef idx="minor">
-            <a:schemeClr val="lt1"/>
-          </a:fontRef>
-        </p:style>
-        <p:txBody>
-          <a:bodyPr rtlCol="0" anchor="ctr"/>
-          <a:lstStyle/>
-          <a:p>
-            <a:pPr algn="ctr"/>
-            <a:endParaRPr kumimoji="1" lang="ja-JP" altLang="en-US"/>
-          </a:p>
-        </p:txBody>
-      </p:sp>
+            <a:ln w="28575">
+              <a:solidFill>
+                <a:schemeClr val="tx1"/>
+              </a:solidFill>
+            </a:ln>
+          </p:spPr>
+          <p:style>
+            <a:lnRef idx="2">
+              <a:schemeClr val="accent1">
+                <a:shade val="50000"/>
+              </a:schemeClr>
+            </a:lnRef>
+            <a:fillRef idx="1">
+              <a:schemeClr val="accent1"/>
+            </a:fillRef>
+            <a:effectRef idx="0">
+              <a:schemeClr val="accent1"/>
+            </a:effectRef>
+            <a:fontRef idx="minor">
+              <a:schemeClr val="lt1"/>
+            </a:fontRef>
+          </p:style>
+          <p:txBody>
+            <a:bodyPr rtlCol="0" anchor="ctr"/>
+            <a:lstStyle/>
+            <a:p>
+              <a:pPr algn="ctr"/>
+              <a:endParaRPr kumimoji="1" lang="ja-JP" altLang="en-US"/>
+            </a:p>
+          </p:txBody>
+        </p:sp>
+      </p:grpSp>
     </p:spTree>
     <p:extLst>
       <p:ext uri="{BB962C8B-B14F-4D97-AF65-F5344CB8AC3E}">

--- a/総合演習資料/2.外部設計/ER図_DB.pptx
+++ b/総合演習資料/2.外部設計/ER図_DB.pptx
@@ -6694,6 +6694,130 @@
           </p:txBody>
         </p:sp>
       </p:grpSp>
+      <p:sp>
+        <p:nvSpPr>
+          <p:cNvPr id="70" name="正方形/長方形 69"/>
+          <p:cNvSpPr/>
+          <p:nvPr/>
+        </p:nvSpPr>
+        <p:spPr>
+          <a:xfrm>
+            <a:off x="9452056" y="149081"/>
+            <a:ext cx="318028" cy="270973"/>
+          </a:xfrm>
+          <a:prstGeom prst="rect">
+            <a:avLst/>
+          </a:prstGeom>
+          <a:noFill/>
+          <a:ln>
+            <a:noFill/>
+          </a:ln>
+        </p:spPr>
+        <p:style>
+          <a:lnRef idx="2">
+            <a:schemeClr val="accent1">
+              <a:shade val="50000"/>
+            </a:schemeClr>
+          </a:lnRef>
+          <a:fillRef idx="1">
+            <a:schemeClr val="accent1"/>
+          </a:fillRef>
+          <a:effectRef idx="0">
+            <a:schemeClr val="accent1"/>
+          </a:effectRef>
+          <a:fontRef idx="minor">
+            <a:schemeClr val="lt1"/>
+          </a:fontRef>
+        </p:style>
+        <p:txBody>
+          <a:bodyPr rtlCol="0" anchor="t"/>
+          <a:lstStyle/>
+          <a:p>
+            <a:pPr algn="ctr"/>
+            <a:r>
+              <a:rPr lang="en-US" altLang="ja-JP" sz="1100" dirty="0" smtClean="0">
+                <a:solidFill>
+                  <a:schemeClr val="tx1"/>
+                </a:solidFill>
+                <a:latin typeface="メイリオ" panose="020B0604030504040204" pitchFamily="50" charset="-128"/>
+                <a:ea typeface="メイリオ" panose="020B0604030504040204" pitchFamily="50" charset="-128"/>
+                <a:cs typeface="メイリオ" panose="020B0604030504040204" pitchFamily="50" charset="-128"/>
+              </a:rPr>
+              <a:t>1</a:t>
+            </a:r>
+            <a:endParaRPr kumimoji="1" lang="ja-JP" altLang="en-US" sz="1100" dirty="0">
+              <a:solidFill>
+                <a:schemeClr val="tx1"/>
+              </a:solidFill>
+              <a:latin typeface="メイリオ" panose="020B0604030504040204" pitchFamily="50" charset="-128"/>
+              <a:ea typeface="メイリオ" panose="020B0604030504040204" pitchFamily="50" charset="-128"/>
+              <a:cs typeface="メイリオ" panose="020B0604030504040204" pitchFamily="50" charset="-128"/>
+            </a:endParaRPr>
+          </a:p>
+        </p:txBody>
+      </p:sp>
+      <p:sp>
+        <p:nvSpPr>
+          <p:cNvPr id="72" name="正方形/長方形 71"/>
+          <p:cNvSpPr/>
+          <p:nvPr/>
+        </p:nvSpPr>
+        <p:spPr>
+          <a:xfrm>
+            <a:off x="9450218" y="433685"/>
+            <a:ext cx="318028" cy="270973"/>
+          </a:xfrm>
+          <a:prstGeom prst="rect">
+            <a:avLst/>
+          </a:prstGeom>
+          <a:noFill/>
+          <a:ln>
+            <a:noFill/>
+          </a:ln>
+        </p:spPr>
+        <p:style>
+          <a:lnRef idx="2">
+            <a:schemeClr val="accent1">
+              <a:shade val="50000"/>
+            </a:schemeClr>
+          </a:lnRef>
+          <a:fillRef idx="1">
+            <a:schemeClr val="accent1"/>
+          </a:fillRef>
+          <a:effectRef idx="0">
+            <a:schemeClr val="accent1"/>
+          </a:effectRef>
+          <a:fontRef idx="minor">
+            <a:schemeClr val="lt1"/>
+          </a:fontRef>
+        </p:style>
+        <p:txBody>
+          <a:bodyPr rtlCol="0" anchor="t"/>
+          <a:lstStyle/>
+          <a:p>
+            <a:pPr algn="ctr"/>
+            <a:r>
+              <a:rPr lang="en-US" altLang="ja-JP" sz="1100" dirty="0" smtClean="0">
+                <a:solidFill>
+                  <a:schemeClr val="tx1"/>
+                </a:solidFill>
+                <a:latin typeface="メイリオ" panose="020B0604030504040204" pitchFamily="50" charset="-128"/>
+                <a:ea typeface="メイリオ" panose="020B0604030504040204" pitchFamily="50" charset="-128"/>
+                <a:cs typeface="メイリオ" panose="020B0604030504040204" pitchFamily="50" charset="-128"/>
+              </a:rPr>
+              <a:t>1</a:t>
+            </a:r>
+            <a:endParaRPr kumimoji="1" lang="ja-JP" altLang="en-US" sz="1100" dirty="0">
+              <a:solidFill>
+                <a:schemeClr val="tx1"/>
+              </a:solidFill>
+              <a:latin typeface="メイリオ" panose="020B0604030504040204" pitchFamily="50" charset="-128"/>
+              <a:ea typeface="メイリオ" panose="020B0604030504040204" pitchFamily="50" charset="-128"/>
+              <a:cs typeface="メイリオ" panose="020B0604030504040204" pitchFamily="50" charset="-128"/>
+            </a:endParaRPr>
+          </a:p>
+        </p:txBody>
+      </p:sp>
     </p:spTree>
     <p:extLst>
       <p:ext uri="{BB962C8B-B14F-4D97-AF65-F5344CB8AC3E}">
